--- a/ldap/Openldap exercise.pptx
+++ b/ldap/Openldap exercise.pptx
@@ -7,37 +7,20 @@
   <p:sldIdLst>
     <p:sldId id="257" r:id="rId2"/>
     <p:sldId id="258" r:id="rId3"/>
-    <p:sldId id="259" r:id="rId4"/>
-    <p:sldId id="260" r:id="rId5"/>
-    <p:sldId id="261" r:id="rId6"/>
+    <p:sldId id="260" r:id="rId4"/>
+    <p:sldId id="261" r:id="rId5"/>
+    <p:sldId id="291" r:id="rId6"/>
     <p:sldId id="262" r:id="rId7"/>
     <p:sldId id="263" r:id="rId8"/>
     <p:sldId id="264" r:id="rId9"/>
     <p:sldId id="265" r:id="rId10"/>
-    <p:sldId id="266" r:id="rId11"/>
-    <p:sldId id="267" r:id="rId12"/>
-    <p:sldId id="268" r:id="rId13"/>
-    <p:sldId id="269" r:id="rId14"/>
-    <p:sldId id="270" r:id="rId15"/>
-    <p:sldId id="271" r:id="rId16"/>
-    <p:sldId id="272" r:id="rId17"/>
-    <p:sldId id="273" r:id="rId18"/>
-    <p:sldId id="274" r:id="rId19"/>
-    <p:sldId id="275" r:id="rId20"/>
-    <p:sldId id="276" r:id="rId21"/>
-    <p:sldId id="277" r:id="rId22"/>
-    <p:sldId id="278" r:id="rId23"/>
-    <p:sldId id="279" r:id="rId24"/>
-    <p:sldId id="280" r:id="rId25"/>
-    <p:sldId id="281" r:id="rId26"/>
-    <p:sldId id="282" r:id="rId27"/>
-    <p:sldId id="283" r:id="rId28"/>
-    <p:sldId id="284" r:id="rId29"/>
-    <p:sldId id="285" r:id="rId30"/>
-    <p:sldId id="286" r:id="rId31"/>
-    <p:sldId id="287" r:id="rId32"/>
-    <p:sldId id="288" r:id="rId33"/>
-    <p:sldId id="289" r:id="rId34"/>
+    <p:sldId id="292" r:id="rId11"/>
+    <p:sldId id="266" r:id="rId12"/>
+    <p:sldId id="290" r:id="rId13"/>
+    <p:sldId id="294" r:id="rId14"/>
+    <p:sldId id="293" r:id="rId15"/>
+    <p:sldId id="296" r:id="rId16"/>
+    <p:sldId id="295" r:id="rId17"/>
   </p:sldIdLst>
   <p:sldSz cx="12192000" cy="6858000"/>
   <p:notesSz cx="6858000" cy="9144000"/>
@@ -275,7 +258,7 @@
           <a:p>
             <a:fld id="{9712061E-3672-45FB-82E6-D7B9FC80B0C6}" type="datetimeFigureOut">
               <a:rPr lang="en-US" smtClean="0"/>
-              <a:t>29-May-16</a:t>
+              <a:t>02-May-18</a:t>
             </a:fld>
             <a:endParaRPr lang="en-US"/>
           </a:p>
@@ -445,7 +428,7 @@
           <a:p>
             <a:fld id="{9712061E-3672-45FB-82E6-D7B9FC80B0C6}" type="datetimeFigureOut">
               <a:rPr lang="en-US" smtClean="0"/>
-              <a:t>29-May-16</a:t>
+              <a:t>02-May-18</a:t>
             </a:fld>
             <a:endParaRPr lang="en-US"/>
           </a:p>
@@ -625,7 +608,7 @@
           <a:p>
             <a:fld id="{9712061E-3672-45FB-82E6-D7B9FC80B0C6}" type="datetimeFigureOut">
               <a:rPr lang="en-US" smtClean="0"/>
-              <a:t>29-May-16</a:t>
+              <a:t>02-May-18</a:t>
             </a:fld>
             <a:endParaRPr lang="en-US"/>
           </a:p>
@@ -795,7 +778,7 @@
           <a:p>
             <a:fld id="{9712061E-3672-45FB-82E6-D7B9FC80B0C6}" type="datetimeFigureOut">
               <a:rPr lang="en-US" smtClean="0"/>
-              <a:t>29-May-16</a:t>
+              <a:t>02-May-18</a:t>
             </a:fld>
             <a:endParaRPr lang="en-US"/>
           </a:p>
@@ -1041,7 +1024,7 @@
           <a:p>
             <a:fld id="{9712061E-3672-45FB-82E6-D7B9FC80B0C6}" type="datetimeFigureOut">
               <a:rPr lang="en-US" smtClean="0"/>
-              <a:t>29-May-16</a:t>
+              <a:t>02-May-18</a:t>
             </a:fld>
             <a:endParaRPr lang="en-US"/>
           </a:p>
@@ -1273,7 +1256,7 @@
           <a:p>
             <a:fld id="{9712061E-3672-45FB-82E6-D7B9FC80B0C6}" type="datetimeFigureOut">
               <a:rPr lang="en-US" smtClean="0"/>
-              <a:t>29-May-16</a:t>
+              <a:t>02-May-18</a:t>
             </a:fld>
             <a:endParaRPr lang="en-US"/>
           </a:p>
@@ -1640,7 +1623,7 @@
           <a:p>
             <a:fld id="{9712061E-3672-45FB-82E6-D7B9FC80B0C6}" type="datetimeFigureOut">
               <a:rPr lang="en-US" smtClean="0"/>
-              <a:t>29-May-16</a:t>
+              <a:t>02-May-18</a:t>
             </a:fld>
             <a:endParaRPr lang="en-US"/>
           </a:p>
@@ -1758,7 +1741,7 @@
           <a:p>
             <a:fld id="{9712061E-3672-45FB-82E6-D7B9FC80B0C6}" type="datetimeFigureOut">
               <a:rPr lang="en-US" smtClean="0"/>
-              <a:t>29-May-16</a:t>
+              <a:t>02-May-18</a:t>
             </a:fld>
             <a:endParaRPr lang="en-US"/>
           </a:p>
@@ -1853,7 +1836,7 @@
           <a:p>
             <a:fld id="{9712061E-3672-45FB-82E6-D7B9FC80B0C6}" type="datetimeFigureOut">
               <a:rPr lang="en-US" smtClean="0"/>
-              <a:t>29-May-16</a:t>
+              <a:t>02-May-18</a:t>
             </a:fld>
             <a:endParaRPr lang="en-US"/>
           </a:p>
@@ -2130,7 +2113,7 @@
           <a:p>
             <a:fld id="{9712061E-3672-45FB-82E6-D7B9FC80B0C6}" type="datetimeFigureOut">
               <a:rPr lang="en-US" smtClean="0"/>
-              <a:t>29-May-16</a:t>
+              <a:t>02-May-18</a:t>
             </a:fld>
             <a:endParaRPr lang="en-US"/>
           </a:p>
@@ -2383,7 +2366,7 @@
           <a:p>
             <a:fld id="{9712061E-3672-45FB-82E6-D7B9FC80B0C6}" type="datetimeFigureOut">
               <a:rPr lang="en-US" smtClean="0"/>
-              <a:t>29-May-16</a:t>
+              <a:t>02-May-18</a:t>
             </a:fld>
             <a:endParaRPr lang="en-US"/>
           </a:p>
@@ -2596,7 +2579,7 @@
           <a:p>
             <a:fld id="{9712061E-3672-45FB-82E6-D7B9FC80B0C6}" type="datetimeFigureOut">
               <a:rPr lang="en-US" smtClean="0"/>
-              <a:t>29-May-16</a:t>
+              <a:t>02-May-18</a:t>
             </a:fld>
             <a:endParaRPr lang="en-US"/>
           </a:p>
@@ -3151,11 +3134,15 @@
           <a:p>
             <a:r>
               <a:rPr lang="en-US" dirty="0" smtClean="0"/>
-              <a:t>Installing and configuring </a:t>
+              <a:t>Reconfiguring </a:t>
             </a:r>
             <a:r>
               <a:rPr lang="en-US" dirty="0" err="1" smtClean="0"/>
-              <a:t>PhpLdapAdmin</a:t>
+              <a:t>OpenLDAP</a:t>
+            </a:r>
+            <a:r>
+              <a:rPr lang="en-US" dirty="0" smtClean="0"/>
+              <a:t> Continue</a:t>
             </a:r>
             <a:endParaRPr lang="en-US" dirty="0"/>
           </a:p>
@@ -3173,84 +3160,117 @@
         </p:nvSpPr>
         <p:spPr/>
         <p:txBody>
-          <a:bodyPr>
-            <a:normAutofit/>
-          </a:bodyPr>
+          <a:bodyPr/>
           <a:lstStyle/>
           <a:p>
             <a:r>
               <a:rPr lang="en-US" dirty="0" smtClean="0"/>
-              <a:t>Apt-get install apache2</a:t>
-            </a:r>
-          </a:p>
-          <a:p>
+              <a:t>Start your </a:t>
+            </a:r>
+            <a:r>
+              <a:rPr lang="en-US" dirty="0" err="1" smtClean="0"/>
+              <a:t>Openldap</a:t>
+            </a:r>
             <a:r>
               <a:rPr lang="en-US" dirty="0" smtClean="0"/>
-              <a:t>Apt-get –y install php5 libapache2-mod-php5</a:t>
-            </a:r>
-          </a:p>
-          <a:p>
-            <a:r>
-              <a:rPr lang="en-US" dirty="0" smtClean="0"/>
-              <a:t>Service apache2 restart</a:t>
-            </a:r>
-          </a:p>
-          <a:p>
-            <a:r>
-              <a:rPr lang="en-US" dirty="0" smtClean="0"/>
-              <a:t>Apt-get install </a:t>
+              <a:t> Database and ensure It is working with commands as below.</a:t>
+            </a:r>
+          </a:p>
+          <a:p>
+            <a:r>
+              <a:rPr lang="en-US" dirty="0" err="1"/>
+              <a:t>sudo</a:t>
+            </a:r>
+            <a:r>
+              <a:rPr lang="en-US" dirty="0"/>
+              <a:t> </a:t>
+            </a:r>
+            <a:r>
+              <a:rPr lang="en-US" dirty="0" err="1"/>
+              <a:t>systemctl</a:t>
+            </a:r>
+            <a:r>
+              <a:rPr lang="en-US" dirty="0"/>
+              <a:t> start </a:t>
             </a:r>
             <a:r>
               <a:rPr lang="en-US" dirty="0" err="1" smtClean="0"/>
-              <a:t>phpldapadmin</a:t>
-            </a:r>
+              <a:t>slapd</a:t>
+            </a:r>
+            <a:endParaRPr lang="en-US" dirty="0" smtClean="0"/>
+          </a:p>
+          <a:p>
+            <a:r>
+              <a:rPr lang="en-US" dirty="0" err="1"/>
+              <a:t>sudo</a:t>
+            </a:r>
+            <a:r>
+              <a:rPr lang="en-US" dirty="0"/>
+              <a:t> </a:t>
+            </a:r>
+            <a:r>
+              <a:rPr lang="en-US" dirty="0" err="1"/>
+              <a:t>ps</a:t>
+            </a:r>
+            <a:r>
+              <a:rPr lang="en-US" dirty="0"/>
+              <a:t> -</a:t>
+            </a:r>
+            <a:r>
+              <a:rPr lang="en-US" dirty="0" err="1"/>
+              <a:t>ef</a:t>
+            </a:r>
+            <a:r>
+              <a:rPr lang="en-US" dirty="0"/>
+              <a:t> | </a:t>
+            </a:r>
+            <a:r>
+              <a:rPr lang="en-US" dirty="0" err="1"/>
+              <a:t>grep</a:t>
+            </a:r>
+            <a:r>
+              <a:rPr lang="en-US" dirty="0"/>
+              <a:t> </a:t>
+            </a:r>
+            <a:r>
+              <a:rPr lang="en-US" dirty="0" err="1" smtClean="0"/>
+              <a:t>slapd</a:t>
+            </a:r>
+            <a:endParaRPr lang="en-US" dirty="0" smtClean="0"/>
+          </a:p>
+          <a:p>
             <a:endParaRPr lang="en-US" dirty="0"/>
           </a:p>
-          <a:p>
-            <a:r>
-              <a:rPr lang="en-US" dirty="0" smtClean="0"/>
-              <a:t>Vi /</a:t>
-            </a:r>
-            <a:r>
-              <a:rPr lang="en-US" dirty="0" err="1" smtClean="0"/>
-              <a:t>etc</a:t>
-            </a:r>
-            <a:r>
-              <a:rPr lang="en-US" dirty="0" smtClean="0"/>
-              <a:t>/</a:t>
-            </a:r>
-            <a:r>
-              <a:rPr lang="en-US" dirty="0" err="1" smtClean="0"/>
-              <a:t>phpldapadmin</a:t>
-            </a:r>
-            <a:r>
-              <a:rPr lang="en-US" dirty="0" smtClean="0"/>
-              <a:t>/</a:t>
-            </a:r>
-            <a:r>
-              <a:rPr lang="en-US" dirty="0" err="1" smtClean="0"/>
-              <a:t>config.php</a:t>
-            </a:r>
-            <a:endParaRPr lang="en-US" dirty="0" smtClean="0"/>
-          </a:p>
-          <a:p>
-            <a:r>
-              <a:rPr lang="en-US" dirty="0"/>
-              <a:t>Search for the following sections and modify them accordingly.</a:t>
-            </a:r>
-          </a:p>
-          <a:p>
-            <a:pPr marL="0" indent="0">
-              <a:buNone/>
-            </a:pPr>
-            <a:endParaRPr lang="en-US" dirty="0" smtClean="0"/>
-          </a:p>
-        </p:txBody>
-      </p:sp>
+        </p:txBody>
+      </p:sp>
+      <p:pic>
+        <p:nvPicPr>
+          <p:cNvPr id="5" name="Picture 4"/>
+          <p:cNvPicPr>
+            <a:picLocks noChangeAspect="1"/>
+          </p:cNvPicPr>
+          <p:nvPr/>
+        </p:nvPicPr>
+        <p:blipFill>
+          <a:blip r:embed="rId2"/>
+          <a:stretch>
+            <a:fillRect/>
+          </a:stretch>
+        </p:blipFill>
+        <p:spPr>
+          <a:xfrm>
+            <a:off x="1096370" y="4112184"/>
+            <a:ext cx="9667014" cy="1219670"/>
+          </a:xfrm>
+          <a:prstGeom prst="rect">
+            <a:avLst/>
+          </a:prstGeom>
+        </p:spPr>
+      </p:pic>
     </p:spTree>
     <p:extLst>
       <p:ext uri="{BB962C8B-B14F-4D97-AF65-F5344CB8AC3E}">
-        <p14:creationId xmlns:p14="http://schemas.microsoft.com/office/powerpoint/2010/main" val="1722104821"/>
+        <p14:creationId xmlns:p14="http://schemas.microsoft.com/office/powerpoint/2010/main" val="3436571653"/>
       </p:ext>
     </p:extLst>
   </p:cSld>
@@ -3294,15 +3314,15 @@
           <a:p>
             <a:r>
               <a:rPr lang="en-US" dirty="0" smtClean="0"/>
-              <a:t>configuring </a:t>
+              <a:t>Creating a base </a:t>
             </a:r>
             <a:r>
               <a:rPr lang="en-US" dirty="0" err="1" smtClean="0"/>
-              <a:t>PhpLdapAdmin</a:t>
+              <a:t>Ldif</a:t>
             </a:r>
             <a:r>
               <a:rPr lang="en-US" dirty="0" smtClean="0"/>
-              <a:t> continue</a:t>
+              <a:t> file </a:t>
             </a:r>
             <a:endParaRPr lang="en-US" dirty="0"/>
           </a:p>
@@ -3320,50 +3340,222 @@
         </p:nvSpPr>
         <p:spPr/>
         <p:txBody>
-          <a:bodyPr/>
-          <a:lstStyle/>
-          <a:p>
+          <a:bodyPr>
+            <a:normAutofit fontScale="85000" lnSpcReduction="20000"/>
+          </a:bodyPr>
+          <a:lstStyle/>
+          <a:p>
+            <a:pPr marL="0" indent="0">
+              <a:buNone/>
+            </a:pPr>
             <a:r>
               <a:rPr lang="en-US" dirty="0" smtClean="0"/>
-              <a:t>Change the red value to the way you will be referencing your server, either through domain name or IP address.</a:t>
-            </a:r>
-          </a:p>
-          <a:p>
+              <a:t>Create a file with content below for your base directory structure.</a:t>
+            </a:r>
+            <a:endParaRPr lang="en-US" dirty="0"/>
+          </a:p>
+          <a:p>
+            <a:pPr marL="0" indent="0">
+              <a:buNone/>
+            </a:pPr>
+            <a:r>
+              <a:rPr lang="en-US" dirty="0" smtClean="0"/>
+              <a:t>Vi </a:t>
+            </a:r>
+            <a:r>
+              <a:rPr lang="en-US" dirty="0" err="1" smtClean="0"/>
+              <a:t>base.ldif</a:t>
+            </a:r>
             <a:endParaRPr lang="en-US" dirty="0" smtClean="0"/>
           </a:p>
           <a:p>
+            <a:pPr marL="0" indent="0">
+              <a:buNone/>
+            </a:pPr>
+            <a:r>
+              <a:rPr lang="en-US" dirty="0"/>
+              <a:t>dn: ou=</a:t>
+            </a:r>
+            <a:r>
+              <a:rPr lang="en-US" dirty="0" err="1"/>
+              <a:t>Groups,dc</a:t>
+            </a:r>
+            <a:r>
+              <a:rPr lang="en-US" dirty="0"/>
+              <a:t>=</a:t>
+            </a:r>
+            <a:r>
+              <a:rPr lang="en-US" dirty="0" err="1"/>
+              <a:t>sse,dc</a:t>
+            </a:r>
+            <a:r>
+              <a:rPr lang="en-US" dirty="0"/>
+              <a:t>=</a:t>
+            </a:r>
+            <a:r>
+              <a:rPr lang="en-US" dirty="0" err="1"/>
+              <a:t>ws,dc</a:t>
+            </a:r>
+            <a:r>
+              <a:rPr lang="en-US" dirty="0"/>
+              <a:t>=</a:t>
+            </a:r>
+            <a:r>
+              <a:rPr lang="en-US" dirty="0" err="1"/>
+              <a:t>afnog,dc</a:t>
+            </a:r>
+            <a:r>
+              <a:rPr lang="en-US" dirty="0"/>
+              <a:t>=org</a:t>
+            </a:r>
+          </a:p>
+          <a:p>
+            <a:pPr marL="0" indent="0">
+              <a:buNone/>
+            </a:pPr>
+            <a:r>
+              <a:rPr lang="en-US" dirty="0"/>
+              <a:t>ou: Groups</a:t>
+            </a:r>
+          </a:p>
+          <a:p>
+            <a:pPr marL="0" indent="0">
+              <a:buNone/>
+            </a:pPr>
+            <a:r>
+              <a:rPr lang="en-US" dirty="0" err="1"/>
+              <a:t>objectClass</a:t>
+            </a:r>
+            <a:r>
+              <a:rPr lang="en-US" dirty="0"/>
+              <a:t>: top</a:t>
+            </a:r>
+          </a:p>
+          <a:p>
+            <a:pPr marL="0" indent="0">
+              <a:buNone/>
+            </a:pPr>
+            <a:r>
+              <a:rPr lang="en-US" dirty="0" err="1"/>
+              <a:t>objectClass</a:t>
+            </a:r>
+            <a:r>
+              <a:rPr lang="en-US" dirty="0"/>
+              <a:t>: </a:t>
+            </a:r>
+            <a:r>
+              <a:rPr lang="en-US" dirty="0" err="1"/>
+              <a:t>organizationalUnit</a:t>
+            </a:r>
             <a:endParaRPr lang="en-US" dirty="0"/>
           </a:p>
-        </p:txBody>
-      </p:sp>
-      <p:pic>
-        <p:nvPicPr>
-          <p:cNvPr id="6" name="Picture 5"/>
-          <p:cNvPicPr>
-            <a:picLocks noChangeAspect="1"/>
-          </p:cNvPicPr>
-          <p:nvPr/>
-        </p:nvPicPr>
-        <p:blipFill>
-          <a:blip r:embed="rId2"/>
-          <a:stretch>
-            <a:fillRect/>
-          </a:stretch>
-        </p:blipFill>
-        <p:spPr>
-          <a:xfrm>
-            <a:off x="838200" y="3214255"/>
-            <a:ext cx="10820400" cy="651164"/>
-          </a:xfrm>
-          <a:prstGeom prst="rect">
-            <a:avLst/>
-          </a:prstGeom>
-        </p:spPr>
-      </p:pic>
+          <a:p>
+            <a:pPr marL="0" indent="0">
+              <a:buNone/>
+            </a:pPr>
+            <a:endParaRPr lang="en-US" dirty="0"/>
+          </a:p>
+          <a:p>
+            <a:pPr marL="0" indent="0">
+              <a:buNone/>
+            </a:pPr>
+            <a:r>
+              <a:rPr lang="en-US" dirty="0"/>
+              <a:t>dn: </a:t>
+            </a:r>
+            <a:r>
+              <a:rPr lang="en-US" dirty="0" err="1"/>
+              <a:t>ou</a:t>
+            </a:r>
+            <a:r>
+              <a:rPr lang="en-US" dirty="0"/>
+              <a:t>=</a:t>
+            </a:r>
+            <a:r>
+              <a:rPr lang="en-US" dirty="0" err="1"/>
+              <a:t>Users,dc</a:t>
+            </a:r>
+            <a:r>
+              <a:rPr lang="en-US" dirty="0"/>
+              <a:t>=</a:t>
+            </a:r>
+            <a:r>
+              <a:rPr lang="en-US" dirty="0" err="1"/>
+              <a:t>sse,dc</a:t>
+            </a:r>
+            <a:r>
+              <a:rPr lang="en-US" dirty="0"/>
+              <a:t>=</a:t>
+            </a:r>
+            <a:r>
+              <a:rPr lang="en-US" dirty="0" err="1"/>
+              <a:t>ws,dc</a:t>
+            </a:r>
+            <a:r>
+              <a:rPr lang="en-US" dirty="0"/>
+              <a:t>=</a:t>
+            </a:r>
+            <a:r>
+              <a:rPr lang="en-US" dirty="0" err="1"/>
+              <a:t>afnog,dc</a:t>
+            </a:r>
+            <a:r>
+              <a:rPr lang="en-US" dirty="0"/>
+              <a:t>=org</a:t>
+            </a:r>
+          </a:p>
+          <a:p>
+            <a:pPr marL="0" indent="0">
+              <a:buNone/>
+            </a:pPr>
+            <a:r>
+              <a:rPr lang="en-US" dirty="0"/>
+              <a:t>ou: Users</a:t>
+            </a:r>
+          </a:p>
+          <a:p>
+            <a:pPr marL="0" indent="0">
+              <a:buNone/>
+            </a:pPr>
+            <a:r>
+              <a:rPr lang="en-US" dirty="0" err="1"/>
+              <a:t>objectClass</a:t>
+            </a:r>
+            <a:r>
+              <a:rPr lang="en-US" dirty="0"/>
+              <a:t>: top</a:t>
+            </a:r>
+          </a:p>
+          <a:p>
+            <a:pPr marL="0" indent="0">
+              <a:buNone/>
+            </a:pPr>
+            <a:r>
+              <a:rPr lang="en-US" dirty="0" err="1"/>
+              <a:t>objectClass</a:t>
+            </a:r>
+            <a:r>
+              <a:rPr lang="en-US" dirty="0"/>
+              <a:t>: </a:t>
+            </a:r>
+            <a:r>
+              <a:rPr lang="en-US" dirty="0" err="1"/>
+              <a:t>organizationalUnit</a:t>
+            </a:r>
+            <a:endParaRPr lang="en-US" dirty="0"/>
+          </a:p>
+          <a:p>
+            <a:pPr marL="0" indent="0">
+              <a:buNone/>
+            </a:pPr>
+            <a:endParaRPr lang="en-US" dirty="0"/>
+          </a:p>
+        </p:txBody>
+      </p:sp>
     </p:spTree>
     <p:extLst>
       <p:ext uri="{BB962C8B-B14F-4D97-AF65-F5344CB8AC3E}">
-        <p14:creationId xmlns:p14="http://schemas.microsoft.com/office/powerpoint/2010/main" val="1564247626"/>
+        <p14:creationId xmlns:p14="http://schemas.microsoft.com/office/powerpoint/2010/main" val="1722104821"/>
       </p:ext>
     </p:extLst>
   </p:cSld>
@@ -3407,66 +3599,134 @@
           <a:p>
             <a:r>
               <a:rPr lang="en-US" dirty="0" smtClean="0"/>
-              <a:t>configuring </a:t>
+              <a:t>Upload your base LDIF file to LDAP</a:t>
+            </a:r>
+            <a:r>
+              <a:rPr lang="en-US" dirty="0" smtClean="0"/>
+              <a:t> </a:t>
+            </a:r>
+            <a:endParaRPr lang="en-US" dirty="0"/>
+          </a:p>
+        </p:txBody>
+      </p:sp>
+      <p:sp>
+        <p:nvSpPr>
+          <p:cNvPr id="3" name="Content Placeholder 2"/>
+          <p:cNvSpPr>
+            <a:spLocks noGrp="1"/>
+          </p:cNvSpPr>
+          <p:nvPr>
+            <p:ph idx="1"/>
+          </p:nvPr>
+        </p:nvSpPr>
+        <p:spPr/>
+        <p:txBody>
+          <a:bodyPr>
+            <a:normAutofit/>
+          </a:bodyPr>
+          <a:lstStyle/>
+          <a:p>
+            <a:pPr marL="0" indent="0">
+              <a:buNone/>
+            </a:pPr>
+            <a:r>
+              <a:rPr lang="en-US" dirty="0" smtClean="0"/>
+              <a:t>Run the command below to upload your base </a:t>
             </a:r>
             <a:r>
               <a:rPr lang="en-US" dirty="0" err="1" smtClean="0"/>
-              <a:t>PhpLdapAdmin</a:t>
+              <a:t>ldif</a:t>
             </a:r>
             <a:r>
               <a:rPr lang="en-US" dirty="0" smtClean="0"/>
-              <a:t> continue</a:t>
+              <a:t> file into the LDAP server</a:t>
             </a:r>
             <a:endParaRPr lang="en-US" dirty="0"/>
           </a:p>
-        </p:txBody>
-      </p:sp>
-      <p:sp>
-        <p:nvSpPr>
-          <p:cNvPr id="3" name="Content Placeholder 2"/>
-          <p:cNvSpPr>
-            <a:spLocks noGrp="1"/>
-          </p:cNvSpPr>
-          <p:nvPr>
-            <p:ph idx="1"/>
-          </p:nvPr>
-        </p:nvSpPr>
-        <p:spPr/>
-        <p:txBody>
-          <a:bodyPr/>
-          <a:lstStyle/>
-          <a:p>
-            <a:r>
-              <a:rPr lang="en-US" dirty="0"/>
-              <a:t>Edit the following entry to reflect the name you selected (ours is </a:t>
-            </a:r>
+          <a:p>
+            <a:pPr marL="0" indent="0">
+              <a:buNone/>
+            </a:pPr>
+            <a:r>
+              <a:rPr lang="en-US" dirty="0" err="1"/>
+              <a:t>ldapadd</a:t>
+            </a:r>
+            <a:r>
+              <a:rPr lang="en-US" dirty="0"/>
+              <a:t> -x -W -D "</a:t>
+            </a:r>
+            <a:r>
+              <a:rPr lang="en-US" dirty="0" err="1"/>
+              <a:t>cn</a:t>
+            </a:r>
+            <a:r>
+              <a:rPr lang="en-US" dirty="0"/>
+              <a:t>=</a:t>
+            </a:r>
+            <a:r>
+              <a:rPr lang="en-US" dirty="0" err="1"/>
+              <a:t>admin,dc</a:t>
+            </a:r>
+            <a:r>
+              <a:rPr lang="en-US" dirty="0"/>
+              <a:t>=</a:t>
+            </a:r>
+            <a:r>
+              <a:rPr lang="en-US" dirty="0" err="1"/>
+              <a:t>sse,dc</a:t>
+            </a:r>
+            <a:r>
+              <a:rPr lang="en-US" dirty="0"/>
+              <a:t>=</a:t>
+            </a:r>
+            <a:r>
+              <a:rPr lang="en-US" dirty="0" err="1"/>
+              <a:t>ws,dc</a:t>
+            </a:r>
+            <a:r>
+              <a:rPr lang="en-US" dirty="0"/>
+              <a:t>=</a:t>
+            </a:r>
+            <a:r>
+              <a:rPr lang="en-US" dirty="0" err="1"/>
+              <a:t>afnog,dc</a:t>
+            </a:r>
+            <a:r>
+              <a:rPr lang="en-US" dirty="0"/>
+              <a:t>=org" -f </a:t>
+            </a:r>
+            <a:r>
+              <a:rPr lang="en-US" dirty="0" err="1" smtClean="0"/>
+              <a:t>base.ldif</a:t>
+            </a:r>
+            <a:endParaRPr lang="en-US" dirty="0"/>
+          </a:p>
+          <a:p>
+            <a:pPr marL="0" indent="0">
+              <a:buNone/>
+            </a:pPr>
             <a:r>
               <a:rPr lang="en-US" dirty="0" smtClean="0"/>
-              <a:t>“afnog.org" </a:t>
-            </a:r>
-            <a:r>
-              <a:rPr lang="en-US" dirty="0"/>
-              <a:t>as you recall</a:t>
-            </a:r>
-            <a:r>
-              <a:rPr lang="en-US" dirty="0" smtClean="0"/>
-              <a:t>):</a:t>
-            </a:r>
-          </a:p>
-          <a:p>
-            <a:endParaRPr lang="en-US" dirty="0"/>
-          </a:p>
-          <a:p>
+              <a:t>Supplied your LDAP password  and you should see feedback as below</a:t>
+            </a:r>
+          </a:p>
+          <a:p>
+            <a:pPr marL="0" indent="0">
+              <a:buNone/>
+            </a:pPr>
             <a:endParaRPr lang="en-US" dirty="0" smtClean="0"/>
           </a:p>
           <a:p>
+            <a:pPr marL="0" indent="0">
+              <a:buNone/>
+            </a:pPr>
             <a:endParaRPr lang="en-US" dirty="0"/>
           </a:p>
         </p:txBody>
       </p:sp>
       <p:pic>
         <p:nvPicPr>
-          <p:cNvPr id="5" name="Picture 4"/>
+          <p:cNvPr id="4" name="Picture 3"/>
           <p:cNvPicPr>
             <a:picLocks noChangeAspect="1"/>
           </p:cNvPicPr>
@@ -3480,8 +3740,8 @@
         </p:blipFill>
         <p:spPr>
           <a:xfrm>
-            <a:off x="838200" y="3512128"/>
-            <a:ext cx="11111345" cy="856312"/>
+            <a:off x="908335" y="4396123"/>
+            <a:ext cx="10375329" cy="1780840"/>
           </a:xfrm>
           <a:prstGeom prst="rect">
             <a:avLst/>
@@ -3491,7 +3751,7 @@
     </p:spTree>
     <p:extLst>
       <p:ext uri="{BB962C8B-B14F-4D97-AF65-F5344CB8AC3E}">
-        <p14:creationId xmlns:p14="http://schemas.microsoft.com/office/powerpoint/2010/main" val="4277231202"/>
+        <p14:creationId xmlns:p14="http://schemas.microsoft.com/office/powerpoint/2010/main" val="3585412479"/>
       </p:ext>
     </p:extLst>
   </p:cSld>
@@ -3535,15 +3795,15 @@
           <a:p>
             <a:r>
               <a:rPr lang="en-US" dirty="0" smtClean="0"/>
-              <a:t>configuring </a:t>
+              <a:t>Creating a person </a:t>
             </a:r>
             <a:r>
               <a:rPr lang="en-US" dirty="0" err="1" smtClean="0"/>
-              <a:t>PhpLdapAdmin</a:t>
+              <a:t>Ldif</a:t>
             </a:r>
             <a:r>
               <a:rPr lang="en-US" dirty="0" smtClean="0"/>
-              <a:t> continue</a:t>
+              <a:t> file </a:t>
             </a:r>
             <a:endParaRPr lang="en-US" dirty="0"/>
           </a:p>
@@ -3561,62 +3821,326 @@
         </p:nvSpPr>
         <p:spPr/>
         <p:txBody>
-          <a:bodyPr/>
-          <a:lstStyle/>
-          <a:p>
-            <a:r>
-              <a:rPr lang="en-US" dirty="0"/>
-              <a:t>The next value to modify will use the same domain components that you just set up in the last entry. Add these after the "</a:t>
-            </a:r>
-            <a:r>
-              <a:rPr lang="en-US" dirty="0" err="1"/>
-              <a:t>cn</a:t>
-            </a:r>
-            <a:r>
-              <a:rPr lang="en-US" dirty="0"/>
-              <a:t>=admin" in the entry below</a:t>
-            </a:r>
+          <a:bodyPr>
+            <a:normAutofit fontScale="40000" lnSpcReduction="20000"/>
+          </a:bodyPr>
+          <a:lstStyle/>
+          <a:p>
+            <a:pPr marL="0" indent="0">
+              <a:buNone/>
+            </a:pPr>
             <a:r>
               <a:rPr lang="en-US" dirty="0" smtClean="0"/>
-              <a:t>:</a:t>
-            </a:r>
-          </a:p>
-          <a:p>
+              <a:t>Create a file with content below for your base directory structure.</a:t>
+            </a:r>
             <a:endParaRPr lang="en-US" dirty="0"/>
           </a:p>
           <a:p>
+            <a:pPr marL="0" indent="0">
+              <a:buNone/>
+            </a:pPr>
+            <a:r>
+              <a:rPr lang="en-US" dirty="0" smtClean="0"/>
+              <a:t>Vi person.ldif</a:t>
+            </a:r>
+          </a:p>
+          <a:p>
+            <a:pPr marL="0" indent="0">
+              <a:buNone/>
+            </a:pPr>
+            <a:r>
+              <a:rPr lang="en-US" dirty="0"/>
+              <a:t>dn: cn=</a:t>
+            </a:r>
+            <a:r>
+              <a:rPr lang="en-US" dirty="0" err="1"/>
+              <a:t>frank,ou</a:t>
+            </a:r>
+            <a:r>
+              <a:rPr lang="en-US" dirty="0"/>
+              <a:t>=</a:t>
+            </a:r>
+            <a:r>
+              <a:rPr lang="en-US" dirty="0" err="1"/>
+              <a:t>Groups,dc</a:t>
+            </a:r>
+            <a:r>
+              <a:rPr lang="en-US" dirty="0"/>
+              <a:t>=</a:t>
+            </a:r>
+            <a:r>
+              <a:rPr lang="en-US" dirty="0" err="1"/>
+              <a:t>sse,dc</a:t>
+            </a:r>
+            <a:r>
+              <a:rPr lang="en-US" dirty="0"/>
+              <a:t>=</a:t>
+            </a:r>
+            <a:r>
+              <a:rPr lang="en-US" dirty="0" err="1"/>
+              <a:t>ws,dc</a:t>
+            </a:r>
+            <a:r>
+              <a:rPr lang="en-US" dirty="0"/>
+              <a:t>=</a:t>
+            </a:r>
+            <a:r>
+              <a:rPr lang="en-US" dirty="0" err="1"/>
+              <a:t>afnog,dc</a:t>
+            </a:r>
+            <a:r>
+              <a:rPr lang="en-US" dirty="0"/>
+              <a:t>=org</a:t>
+            </a:r>
+          </a:p>
+          <a:p>
+            <a:pPr marL="0" indent="0">
+              <a:buNone/>
+            </a:pPr>
+            <a:r>
+              <a:rPr lang="en-US" dirty="0"/>
+              <a:t>cn: frank</a:t>
+            </a:r>
+          </a:p>
+          <a:p>
+            <a:pPr marL="0" indent="0">
+              <a:buNone/>
+            </a:pPr>
+            <a:r>
+              <a:rPr lang="en-US" dirty="0" err="1"/>
+              <a:t>gidNumber</a:t>
+            </a:r>
+            <a:r>
+              <a:rPr lang="en-US" dirty="0"/>
+              <a:t>: 5001</a:t>
+            </a:r>
+          </a:p>
+          <a:p>
+            <a:pPr marL="0" indent="0">
+              <a:buNone/>
+            </a:pPr>
+            <a:r>
+              <a:rPr lang="en-US" dirty="0" err="1"/>
+              <a:t>objectClass</a:t>
+            </a:r>
+            <a:r>
+              <a:rPr lang="en-US" dirty="0"/>
+              <a:t>: </a:t>
+            </a:r>
+            <a:r>
+              <a:rPr lang="en-US" dirty="0" err="1"/>
+              <a:t>posixGroup</a:t>
+            </a:r>
             <a:endParaRPr lang="en-US" dirty="0"/>
           </a:p>
-        </p:txBody>
-      </p:sp>
-      <p:pic>
-        <p:nvPicPr>
-          <p:cNvPr id="4" name="Picture 3"/>
-          <p:cNvPicPr>
-            <a:picLocks noChangeAspect="1"/>
-          </p:cNvPicPr>
-          <p:nvPr/>
-        </p:nvPicPr>
-        <p:blipFill>
-          <a:blip r:embed="rId2"/>
-          <a:stretch>
-            <a:fillRect/>
-          </a:stretch>
-        </p:blipFill>
-        <p:spPr>
-          <a:xfrm>
-            <a:off x="838200" y="3786620"/>
-            <a:ext cx="10924309" cy="993198"/>
-          </a:xfrm>
-          <a:prstGeom prst="rect">
-            <a:avLst/>
-          </a:prstGeom>
-        </p:spPr>
-      </p:pic>
+          <a:p>
+            <a:pPr marL="0" indent="0">
+              <a:buNone/>
+            </a:pPr>
+            <a:endParaRPr lang="en-US" dirty="0"/>
+          </a:p>
+          <a:p>
+            <a:pPr marL="0" indent="0">
+              <a:buNone/>
+            </a:pPr>
+            <a:r>
+              <a:rPr lang="en-US" dirty="0"/>
+              <a:t>dn: </a:t>
+            </a:r>
+            <a:r>
+              <a:rPr lang="en-US" dirty="0" err="1"/>
+              <a:t>uid</a:t>
+            </a:r>
+            <a:r>
+              <a:rPr lang="en-US" dirty="0"/>
+              <a:t>=</a:t>
+            </a:r>
+            <a:r>
+              <a:rPr lang="en-US" dirty="0" err="1"/>
+              <a:t>frank,ou</a:t>
+            </a:r>
+            <a:r>
+              <a:rPr lang="en-US" dirty="0"/>
+              <a:t>=</a:t>
+            </a:r>
+            <a:r>
+              <a:rPr lang="en-US" dirty="0" err="1"/>
+              <a:t>Users,dc</a:t>
+            </a:r>
+            <a:r>
+              <a:rPr lang="en-US" dirty="0"/>
+              <a:t>=</a:t>
+            </a:r>
+            <a:r>
+              <a:rPr lang="en-US" dirty="0" err="1"/>
+              <a:t>sse,dc</a:t>
+            </a:r>
+            <a:r>
+              <a:rPr lang="en-US" dirty="0"/>
+              <a:t>=</a:t>
+            </a:r>
+            <a:r>
+              <a:rPr lang="en-US" dirty="0" err="1"/>
+              <a:t>ws,dc</a:t>
+            </a:r>
+            <a:r>
+              <a:rPr lang="en-US" dirty="0"/>
+              <a:t>=</a:t>
+            </a:r>
+            <a:r>
+              <a:rPr lang="en-US" dirty="0" err="1"/>
+              <a:t>afnog,dc</a:t>
+            </a:r>
+            <a:r>
+              <a:rPr lang="en-US" dirty="0"/>
+              <a:t>=org</a:t>
+            </a:r>
+          </a:p>
+          <a:p>
+            <a:pPr marL="0" indent="0">
+              <a:buNone/>
+            </a:pPr>
+            <a:r>
+              <a:rPr lang="en-US" dirty="0" err="1"/>
+              <a:t>uid</a:t>
+            </a:r>
+            <a:r>
+              <a:rPr lang="en-US" dirty="0"/>
+              <a:t>: frank</a:t>
+            </a:r>
+          </a:p>
+          <a:p>
+            <a:pPr marL="0" indent="0">
+              <a:buNone/>
+            </a:pPr>
+            <a:r>
+              <a:rPr lang="en-US" dirty="0" err="1"/>
+              <a:t>uidNumber</a:t>
+            </a:r>
+            <a:r>
+              <a:rPr lang="en-US" dirty="0"/>
+              <a:t>: 5001</a:t>
+            </a:r>
+          </a:p>
+          <a:p>
+            <a:pPr marL="0" indent="0">
+              <a:buNone/>
+            </a:pPr>
+            <a:r>
+              <a:rPr lang="en-US" dirty="0" err="1"/>
+              <a:t>gidNumber</a:t>
+            </a:r>
+            <a:r>
+              <a:rPr lang="en-US" dirty="0"/>
+              <a:t>: 5001</a:t>
+            </a:r>
+          </a:p>
+          <a:p>
+            <a:pPr marL="0" indent="0">
+              <a:buNone/>
+            </a:pPr>
+            <a:r>
+              <a:rPr lang="en-US" dirty="0"/>
+              <a:t>cn: Frank </a:t>
+            </a:r>
+            <a:r>
+              <a:rPr lang="en-US" dirty="0" err="1"/>
+              <a:t>Kuse</a:t>
+            </a:r>
+            <a:endParaRPr lang="en-US" dirty="0"/>
+          </a:p>
+          <a:p>
+            <a:pPr marL="0" indent="0">
+              <a:buNone/>
+            </a:pPr>
+            <a:r>
+              <a:rPr lang="en-US" dirty="0" err="1"/>
+              <a:t>sn</a:t>
+            </a:r>
+            <a:r>
+              <a:rPr lang="en-US" dirty="0"/>
+              <a:t>: </a:t>
+            </a:r>
+            <a:r>
+              <a:rPr lang="en-US" dirty="0" err="1"/>
+              <a:t>Kuse</a:t>
+            </a:r>
+            <a:endParaRPr lang="en-US" dirty="0"/>
+          </a:p>
+          <a:p>
+            <a:pPr marL="0" indent="0">
+              <a:buNone/>
+            </a:pPr>
+            <a:r>
+              <a:rPr lang="en-US" dirty="0" err="1"/>
+              <a:t>objectClass</a:t>
+            </a:r>
+            <a:r>
+              <a:rPr lang="en-US" dirty="0"/>
+              <a:t>: </a:t>
+            </a:r>
+            <a:r>
+              <a:rPr lang="en-US" dirty="0" err="1"/>
+              <a:t>posixAccount</a:t>
+            </a:r>
+            <a:endParaRPr lang="en-US" dirty="0"/>
+          </a:p>
+          <a:p>
+            <a:pPr marL="0" indent="0">
+              <a:buNone/>
+            </a:pPr>
+            <a:r>
+              <a:rPr lang="en-US" dirty="0" err="1"/>
+              <a:t>objectClass</a:t>
+            </a:r>
+            <a:r>
+              <a:rPr lang="en-US" dirty="0"/>
+              <a:t>: </a:t>
+            </a:r>
+            <a:r>
+              <a:rPr lang="en-US" dirty="0" err="1"/>
+              <a:t>organizationalPerson</a:t>
+            </a:r>
+            <a:endParaRPr lang="en-US" dirty="0"/>
+          </a:p>
+          <a:p>
+            <a:pPr marL="0" indent="0">
+              <a:buNone/>
+            </a:pPr>
+            <a:r>
+              <a:rPr lang="en-US" dirty="0" err="1"/>
+              <a:t>loginShell</a:t>
+            </a:r>
+            <a:r>
+              <a:rPr lang="en-US" dirty="0"/>
+              <a:t>: /bin/bash</a:t>
+            </a:r>
+          </a:p>
+          <a:p>
+            <a:pPr marL="0" indent="0">
+              <a:buNone/>
+            </a:pPr>
+            <a:r>
+              <a:rPr lang="en-US" dirty="0" err="1"/>
+              <a:t>homeDirectory</a:t>
+            </a:r>
+            <a:r>
+              <a:rPr lang="en-US" dirty="0"/>
+              <a:t>: /home/frank</a:t>
+            </a:r>
+          </a:p>
+          <a:p>
+            <a:pPr marL="0" indent="0">
+              <a:buNone/>
+            </a:pPr>
+            <a:endParaRPr lang="en-US" dirty="0"/>
+          </a:p>
+        </p:txBody>
+      </p:sp>
     </p:spTree>
     <p:extLst>
       <p:ext uri="{BB962C8B-B14F-4D97-AF65-F5344CB8AC3E}">
-        <p14:creationId xmlns:p14="http://schemas.microsoft.com/office/powerpoint/2010/main" val="2904943001"/>
+        <p14:creationId xmlns:p14="http://schemas.microsoft.com/office/powerpoint/2010/main" val="3424603822"/>
       </p:ext>
     </p:extLst>
   </p:cSld>
@@ -3660,71 +4184,126 @@
           <a:p>
             <a:r>
               <a:rPr lang="en-US" dirty="0" smtClean="0"/>
-              <a:t>configuring </a:t>
+              <a:t>Upload your person LDIF file to LDAP</a:t>
+            </a:r>
+            <a:r>
+              <a:rPr lang="en-US" dirty="0" smtClean="0"/>
+              <a:t> </a:t>
+            </a:r>
+            <a:endParaRPr lang="en-US" dirty="0"/>
+          </a:p>
+        </p:txBody>
+      </p:sp>
+      <p:sp>
+        <p:nvSpPr>
+          <p:cNvPr id="3" name="Content Placeholder 2"/>
+          <p:cNvSpPr>
+            <a:spLocks noGrp="1"/>
+          </p:cNvSpPr>
+          <p:nvPr>
+            <p:ph idx="1"/>
+          </p:nvPr>
+        </p:nvSpPr>
+        <p:spPr/>
+        <p:txBody>
+          <a:bodyPr>
+            <a:normAutofit/>
+          </a:bodyPr>
+          <a:lstStyle/>
+          <a:p>
+            <a:pPr marL="0" indent="0">
+              <a:buNone/>
+            </a:pPr>
+            <a:r>
+              <a:rPr lang="en-US" dirty="0" smtClean="0"/>
+              <a:t>Run the command below to upload your base </a:t>
             </a:r>
             <a:r>
               <a:rPr lang="en-US" dirty="0" err="1" smtClean="0"/>
-              <a:t>PhpLdapAdmin</a:t>
+              <a:t>ldif</a:t>
             </a:r>
             <a:r>
               <a:rPr lang="en-US" dirty="0" smtClean="0"/>
-              <a:t> continue</a:t>
+              <a:t> file into the LDAP server</a:t>
             </a:r>
             <a:endParaRPr lang="en-US" dirty="0"/>
           </a:p>
-        </p:txBody>
-      </p:sp>
-      <p:sp>
-        <p:nvSpPr>
-          <p:cNvPr id="3" name="Content Placeholder 2"/>
-          <p:cNvSpPr>
-            <a:spLocks noGrp="1"/>
-          </p:cNvSpPr>
-          <p:nvPr>
-            <p:ph idx="1"/>
-          </p:nvPr>
-        </p:nvSpPr>
-        <p:spPr/>
-        <p:txBody>
-          <a:bodyPr/>
-          <a:lstStyle/>
-          <a:p>
-            <a:r>
-              <a:rPr lang="en-US" dirty="0"/>
-              <a:t>Search for the following section about the "</a:t>
-            </a:r>
-            <a:r>
-              <a:rPr lang="en-US" dirty="0" err="1"/>
-              <a:t>hide</a:t>
-            </a:r>
-            <a:r>
-              <a:rPr lang="en-US" i="1" dirty="0" err="1"/>
-              <a:t>template</a:t>
-            </a:r>
-            <a:r>
-              <a:rPr lang="en-US" dirty="0" err="1"/>
-              <a:t>warning</a:t>
-            </a:r>
-            <a:r>
-              <a:rPr lang="en-US" dirty="0"/>
-              <a:t>" attribute. We want to uncomment this line and set the value to "true" to avoid some annoying warnings that are unimportant</a:t>
+          <a:p>
+            <a:pPr marL="0" indent="0">
+              <a:buNone/>
+            </a:pPr>
+            <a:r>
+              <a:rPr lang="en-US" dirty="0" err="1"/>
+              <a:t>ldapadd</a:t>
+            </a:r>
+            <a:r>
+              <a:rPr lang="en-US" dirty="0"/>
+              <a:t> -x -W -D "cn=</a:t>
+            </a:r>
+            <a:r>
+              <a:rPr lang="en-US" dirty="0" err="1"/>
+              <a:t>admin,dc</a:t>
+            </a:r>
+            <a:r>
+              <a:rPr lang="en-US" dirty="0"/>
+              <a:t>=</a:t>
+            </a:r>
+            <a:r>
+              <a:rPr lang="en-US" dirty="0" err="1"/>
+              <a:t>sse,dc</a:t>
+            </a:r>
+            <a:r>
+              <a:rPr lang="en-US" dirty="0"/>
+              <a:t>=</a:t>
+            </a:r>
+            <a:r>
+              <a:rPr lang="en-US" dirty="0" err="1"/>
+              <a:t>ws,dc</a:t>
+            </a:r>
+            <a:r>
+              <a:rPr lang="en-US" dirty="0"/>
+              <a:t>=</a:t>
+            </a:r>
+            <a:r>
+              <a:rPr lang="en-US" dirty="0" err="1"/>
+              <a:t>afnog,dc</a:t>
+            </a:r>
+            <a:r>
+              <a:rPr lang="en-US" dirty="0"/>
+              <a:t>=org" -f </a:t>
             </a:r>
             <a:r>
               <a:rPr lang="en-US" dirty="0" smtClean="0"/>
-              <a:t>.</a:t>
-            </a:r>
-          </a:p>
-          <a:p>
+              <a:t>person.ldif</a:t>
+            </a:r>
             <a:endParaRPr lang="en-US" dirty="0"/>
           </a:p>
           <a:p>
+            <a:pPr marL="0" indent="0">
+              <a:buNone/>
+            </a:pPr>
+            <a:r>
+              <a:rPr lang="en-US" dirty="0" smtClean="0"/>
+              <a:t>Supplied your LDAP password  and you should see feedback as below</a:t>
+            </a:r>
+          </a:p>
+          <a:p>
+            <a:pPr marL="0" indent="0">
+              <a:buNone/>
+            </a:pPr>
+            <a:endParaRPr lang="en-US" dirty="0" smtClean="0"/>
+          </a:p>
+          <a:p>
+            <a:pPr marL="0" indent="0">
+              <a:buNone/>
+            </a:pPr>
             <a:endParaRPr lang="en-US" dirty="0"/>
           </a:p>
         </p:txBody>
       </p:sp>
       <p:pic>
         <p:nvPicPr>
-          <p:cNvPr id="4" name="Picture 3"/>
+          <p:cNvPr id="5" name="Picture 4"/>
           <p:cNvPicPr>
             <a:picLocks noChangeAspect="1"/>
           </p:cNvPicPr>
@@ -3738,8 +4317,8 @@
         </p:blipFill>
         <p:spPr>
           <a:xfrm>
-            <a:off x="838201" y="3663662"/>
-            <a:ext cx="10515600" cy="1199284"/>
+            <a:off x="978794" y="4306105"/>
+            <a:ext cx="10498380" cy="1759844"/>
           </a:xfrm>
           <a:prstGeom prst="rect">
             <a:avLst/>
@@ -3749,7 +4328,7 @@
     </p:spTree>
     <p:extLst>
       <p:ext uri="{BB962C8B-B14F-4D97-AF65-F5344CB8AC3E}">
-        <p14:creationId xmlns:p14="http://schemas.microsoft.com/office/powerpoint/2010/main" val="1476565263"/>
+        <p14:creationId xmlns:p14="http://schemas.microsoft.com/office/powerpoint/2010/main" val="2667889901"/>
       </p:ext>
     </p:extLst>
   </p:cSld>
@@ -3793,95 +4372,178 @@
           <a:p>
             <a:r>
               <a:rPr lang="en-US" dirty="0" smtClean="0"/>
-              <a:t>configuring </a:t>
-            </a:r>
+              <a:t>Setting up user credentials</a:t>
+            </a:r>
+            <a:endParaRPr lang="en-US" dirty="0"/>
+          </a:p>
+        </p:txBody>
+      </p:sp>
+      <p:sp>
+        <p:nvSpPr>
+          <p:cNvPr id="3" name="Content Placeholder 2"/>
+          <p:cNvSpPr>
+            <a:spLocks noGrp="1"/>
+          </p:cNvSpPr>
+          <p:nvPr>
+            <p:ph idx="1"/>
+          </p:nvPr>
+        </p:nvSpPr>
+        <p:spPr/>
+        <p:txBody>
+          <a:bodyPr>
+            <a:normAutofit/>
+          </a:bodyPr>
+          <a:lstStyle/>
+          <a:p>
+            <a:pPr marL="0" indent="0">
+              <a:buNone/>
+            </a:pPr>
+            <a:r>
+              <a:rPr lang="en-US" dirty="0" smtClean="0"/>
+              <a:t>Run the command below create a password for the user account created.</a:t>
+            </a:r>
+            <a:endParaRPr lang="en-US" dirty="0"/>
+          </a:p>
+          <a:p>
+            <a:pPr marL="0" indent="0">
+              <a:buNone/>
+            </a:pPr>
+            <a:endParaRPr lang="en-US" dirty="0" smtClean="0"/>
+          </a:p>
+          <a:p>
+            <a:pPr marL="0" indent="0">
+              <a:buNone/>
+            </a:pPr>
             <a:r>
               <a:rPr lang="en-US" dirty="0" err="1" smtClean="0"/>
-              <a:t>PhpLdapAdmin</a:t>
-            </a:r>
-            <a:r>
-              <a:rPr lang="en-US" dirty="0" smtClean="0"/>
-              <a:t> continue</a:t>
-            </a:r>
-            <a:endParaRPr lang="en-US" dirty="0"/>
-          </a:p>
-        </p:txBody>
-      </p:sp>
-      <p:sp>
-        <p:nvSpPr>
-          <p:cNvPr id="3" name="Content Placeholder 2"/>
-          <p:cNvSpPr>
-            <a:spLocks noGrp="1"/>
-          </p:cNvSpPr>
-          <p:nvPr>
-            <p:ph idx="1"/>
-          </p:nvPr>
-        </p:nvSpPr>
-        <p:spPr/>
-        <p:txBody>
-          <a:bodyPr/>
-          <a:lstStyle/>
-          <a:p>
-            <a:r>
-              <a:rPr lang="en-US" dirty="0" smtClean="0"/>
-              <a:t>Login to the </a:t>
-            </a:r>
-            <a:r>
-              <a:rPr lang="en-US" dirty="0" err="1" smtClean="0"/>
-              <a:t>PhpLdapAdmin</a:t>
-            </a:r>
-            <a:r>
-              <a:rPr lang="en-US" dirty="0" smtClean="0"/>
-              <a:t> page using a browser with your IP Address followed by </a:t>
-            </a:r>
-            <a:r>
-              <a:rPr lang="en-US" dirty="0" err="1" smtClean="0"/>
-              <a:t>phpldapadmin</a:t>
+              <a:t>sudo</a:t>
             </a:r>
             <a:r>
               <a:rPr lang="en-US" dirty="0" smtClean="0"/>
               <a:t> </a:t>
             </a:r>
-          </a:p>
-          <a:p>
+            <a:r>
+              <a:rPr lang="en-US" dirty="0" err="1"/>
+              <a:t>ldappasswd</a:t>
+            </a:r>
+            <a:r>
+              <a:rPr lang="en-US" dirty="0"/>
+              <a:t> -s afnog123 -W -D "cn=</a:t>
+            </a:r>
+            <a:r>
+              <a:rPr lang="en-US" dirty="0" err="1"/>
+              <a:t>admin,dc</a:t>
+            </a:r>
+            <a:r>
+              <a:rPr lang="en-US" dirty="0"/>
+              <a:t>=</a:t>
+            </a:r>
+            <a:r>
+              <a:rPr lang="en-US" dirty="0" err="1"/>
+              <a:t>sse,dc</a:t>
+            </a:r>
+            <a:r>
+              <a:rPr lang="en-US" dirty="0"/>
+              <a:t>=</a:t>
+            </a:r>
+            <a:r>
+              <a:rPr lang="en-US" dirty="0" err="1"/>
+              <a:t>ws,dc</a:t>
+            </a:r>
+            <a:r>
+              <a:rPr lang="en-US" dirty="0"/>
+              <a:t>=</a:t>
+            </a:r>
+            <a:r>
+              <a:rPr lang="en-US" dirty="0" err="1"/>
+              <a:t>afnog,dc</a:t>
+            </a:r>
+            <a:r>
+              <a:rPr lang="en-US" dirty="0"/>
+              <a:t>=org" -x "</a:t>
+            </a:r>
+            <a:r>
+              <a:rPr lang="en-US" dirty="0" err="1"/>
+              <a:t>uid</a:t>
+            </a:r>
+            <a:r>
+              <a:rPr lang="en-US" dirty="0"/>
+              <a:t>=</a:t>
+            </a:r>
+            <a:r>
+              <a:rPr lang="en-US" dirty="0" err="1"/>
+              <a:t>frank,ou</a:t>
+            </a:r>
+            <a:r>
+              <a:rPr lang="en-US" dirty="0"/>
+              <a:t>=</a:t>
+            </a:r>
+            <a:r>
+              <a:rPr lang="en-US" dirty="0" err="1"/>
+              <a:t>Users,dc</a:t>
+            </a:r>
+            <a:r>
+              <a:rPr lang="en-US" dirty="0"/>
+              <a:t>=</a:t>
+            </a:r>
+            <a:r>
+              <a:rPr lang="en-US" dirty="0" err="1"/>
+              <a:t>sse,dc</a:t>
+            </a:r>
+            <a:r>
+              <a:rPr lang="en-US" dirty="0"/>
+              <a:t>=</a:t>
+            </a:r>
+            <a:r>
+              <a:rPr lang="en-US" dirty="0" err="1"/>
+              <a:t>ws,dc</a:t>
+            </a:r>
+            <a:r>
+              <a:rPr lang="en-US" dirty="0"/>
+              <a:t>=</a:t>
+            </a:r>
+            <a:r>
+              <a:rPr lang="en-US" dirty="0" err="1"/>
+              <a:t>afnog,dc</a:t>
+            </a:r>
+            <a:r>
+              <a:rPr lang="en-US" dirty="0"/>
+              <a:t>=org"</a:t>
+            </a:r>
+          </a:p>
+          <a:p>
+            <a:pPr marL="0" indent="0">
+              <a:buNone/>
+            </a:pPr>
+            <a:endParaRPr lang="en-US" dirty="0" smtClean="0"/>
+          </a:p>
+          <a:p>
+            <a:pPr marL="0" indent="0">
+              <a:buNone/>
+            </a:pPr>
+            <a:r>
+              <a:rPr lang="en-US" dirty="0" smtClean="0"/>
+              <a:t>Supplied your LDAP password  and you should see feedback as below</a:t>
+            </a:r>
+          </a:p>
+          <a:p>
+            <a:pPr marL="0" indent="0">
+              <a:buNone/>
+            </a:pPr>
+            <a:endParaRPr lang="en-US" dirty="0" smtClean="0"/>
+          </a:p>
+          <a:p>
+            <a:pPr marL="0" indent="0">
+              <a:buNone/>
+            </a:pPr>
             <a:endParaRPr lang="en-US" dirty="0"/>
           </a:p>
-          <a:p>
-            <a:endParaRPr lang="en-US" dirty="0" smtClean="0"/>
-          </a:p>
-          <a:p>
-            <a:endParaRPr lang="en-US" dirty="0"/>
-          </a:p>
-        </p:txBody>
-      </p:sp>
-      <p:pic>
-        <p:nvPicPr>
-          <p:cNvPr id="4" name="Picture 3"/>
-          <p:cNvPicPr>
-            <a:picLocks noChangeAspect="1"/>
-          </p:cNvPicPr>
-          <p:nvPr/>
-        </p:nvPicPr>
-        <p:blipFill>
-          <a:blip r:embed="rId2"/>
-          <a:stretch>
-            <a:fillRect/>
-          </a:stretch>
-        </p:blipFill>
-        <p:spPr>
-          <a:xfrm>
-            <a:off x="838200" y="3463997"/>
-            <a:ext cx="10243164" cy="1502858"/>
-          </a:xfrm>
-          <a:prstGeom prst="rect">
-            <a:avLst/>
-          </a:prstGeom>
-        </p:spPr>
-      </p:pic>
+        </p:txBody>
+      </p:sp>
     </p:spTree>
     <p:extLst>
       <p:ext uri="{BB962C8B-B14F-4D97-AF65-F5344CB8AC3E}">
-        <p14:creationId xmlns:p14="http://schemas.microsoft.com/office/powerpoint/2010/main" val="3038946922"/>
+        <p14:creationId xmlns:p14="http://schemas.microsoft.com/office/powerpoint/2010/main" val="1727634673"/>
       </p:ext>
     </p:extLst>
   </p:cSld>
@@ -3925,61 +4587,108 @@
           <a:p>
             <a:r>
               <a:rPr lang="en-US" dirty="0" smtClean="0"/>
-              <a:t>configuring </a:t>
+              <a:t>Check your LDAP directory structure</a:t>
+            </a:r>
+            <a:r>
+              <a:rPr lang="en-US" dirty="0" smtClean="0"/>
+              <a:t> </a:t>
+            </a:r>
+            <a:endParaRPr lang="en-US" dirty="0"/>
+          </a:p>
+        </p:txBody>
+      </p:sp>
+      <p:sp>
+        <p:nvSpPr>
+          <p:cNvPr id="3" name="Content Placeholder 2"/>
+          <p:cNvSpPr>
+            <a:spLocks noGrp="1"/>
+          </p:cNvSpPr>
+          <p:nvPr>
+            <p:ph idx="1"/>
+          </p:nvPr>
+        </p:nvSpPr>
+        <p:spPr/>
+        <p:txBody>
+          <a:bodyPr>
+            <a:normAutofit/>
+          </a:bodyPr>
+          <a:lstStyle/>
+          <a:p>
+            <a:pPr marL="0" indent="0">
+              <a:buNone/>
+            </a:pPr>
+            <a:r>
+              <a:rPr lang="en-US" dirty="0" smtClean="0"/>
+              <a:t>Run the command below to check your uploaded  </a:t>
             </a:r>
             <a:r>
               <a:rPr lang="en-US" dirty="0" err="1" smtClean="0"/>
-              <a:t>PhpLdapAdmin</a:t>
+              <a:t>ldif</a:t>
             </a:r>
             <a:r>
               <a:rPr lang="en-US" dirty="0" smtClean="0"/>
-              <a:t> continue</a:t>
+              <a:t> files forming your LDAP directory </a:t>
+            </a:r>
+            <a:r>
+              <a:rPr lang="en-US" dirty="0" err="1" smtClean="0"/>
+              <a:t>structurein</a:t>
+            </a:r>
+            <a:r>
+              <a:rPr lang="en-US" dirty="0" smtClean="0"/>
+              <a:t> your database.</a:t>
             </a:r>
             <a:endParaRPr lang="en-US" dirty="0"/>
           </a:p>
-        </p:txBody>
-      </p:sp>
-      <p:sp>
-        <p:nvSpPr>
-          <p:cNvPr id="3" name="Content Placeholder 2"/>
-          <p:cNvSpPr>
-            <a:spLocks noGrp="1"/>
-          </p:cNvSpPr>
-          <p:nvPr>
-            <p:ph idx="1"/>
-          </p:nvPr>
-        </p:nvSpPr>
-        <p:spPr>
-          <a:xfrm>
-            <a:off x="838200" y="1690688"/>
-            <a:ext cx="10515600" cy="4351338"/>
-          </a:xfrm>
-        </p:spPr>
-        <p:txBody>
-          <a:bodyPr/>
-          <a:lstStyle/>
-          <a:p>
+          <a:p>
+            <a:pPr marL="0" indent="0">
+              <a:buNone/>
+            </a:pPr>
+            <a:r>
+              <a:rPr lang="en-US" dirty="0" err="1" smtClean="0"/>
+              <a:t>Sudo</a:t>
+            </a:r>
             <a:r>
               <a:rPr lang="en-US" dirty="0" smtClean="0"/>
-              <a:t>Click on login in your left pane  and enter your </a:t>
+              <a:t> </a:t>
             </a:r>
             <a:r>
               <a:rPr lang="en-US" dirty="0" err="1" smtClean="0"/>
-              <a:t>ldap</a:t>
+              <a:t>slapcat</a:t>
             </a:r>
             <a:r>
               <a:rPr lang="en-US" dirty="0" smtClean="0"/>
-              <a:t> admin password</a:t>
-            </a:r>
-          </a:p>
-          <a:p>
+              <a:t> </a:t>
+            </a:r>
+            <a:endParaRPr lang="en-US" dirty="0"/>
+          </a:p>
+          <a:p>
+            <a:pPr marL="0" indent="0">
+              <a:buNone/>
+            </a:pPr>
+            <a:r>
+              <a:rPr lang="en-US" dirty="0" smtClean="0"/>
+              <a:t>You should see entire </a:t>
+            </a:r>
+            <a:r>
+              <a:rPr lang="en-US" dirty="0" err="1" smtClean="0"/>
+              <a:t>OpenLdap</a:t>
+            </a:r>
+            <a:r>
+              <a:rPr lang="en-US" dirty="0" smtClean="0"/>
+              <a:t> database with example as below.</a:t>
+            </a:r>
+          </a:p>
+          <a:p>
+            <a:pPr marL="0" indent="0">
+              <a:buNone/>
+            </a:pPr>
             <a:endParaRPr lang="en-US" dirty="0"/>
           </a:p>
         </p:txBody>
       </p:sp>
       <p:pic>
         <p:nvPicPr>
-          <p:cNvPr id="4" name="Picture 3"/>
+          <p:cNvPr id="6" name="Picture 5"/>
           <p:cNvPicPr>
             <a:picLocks noChangeAspect="1"/>
           </p:cNvPicPr>
@@ -3993,8 +4702,8 @@
         </p:blipFill>
         <p:spPr>
           <a:xfrm>
-            <a:off x="2119745" y="2533854"/>
-            <a:ext cx="8312728" cy="4324146"/>
+            <a:off x="876299" y="3720719"/>
+            <a:ext cx="5782077" cy="3091512"/>
           </a:xfrm>
           <a:prstGeom prst="rect">
             <a:avLst/>
@@ -4004,341 +4713,7 @@
     </p:spTree>
     <p:extLst>
       <p:ext uri="{BB962C8B-B14F-4D97-AF65-F5344CB8AC3E}">
-        <p14:creationId xmlns:p14="http://schemas.microsoft.com/office/powerpoint/2010/main" val="3699817715"/>
-      </p:ext>
-    </p:extLst>
-  </p:cSld>
-  <p:clrMapOvr>
-    <a:masterClrMapping/>
-  </p:clrMapOvr>
-</p:sld>
-</file>
-
-<file path=ppt/slides/slide17.xml><?xml version="1.0" encoding="utf-8"?>
-<p:sld xmlns:a="http://schemas.openxmlformats.org/drawingml/2006/main" xmlns:r="http://schemas.openxmlformats.org/officeDocument/2006/relationships" xmlns:p="http://schemas.openxmlformats.org/presentationml/2006/main">
-  <p:cSld>
-    <p:spTree>
-      <p:nvGrpSpPr>
-        <p:cNvPr id="1" name=""/>
-        <p:cNvGrpSpPr/>
-        <p:nvPr/>
-      </p:nvGrpSpPr>
-      <p:grpSpPr>
-        <a:xfrm>
-          <a:off x="0" y="0"/>
-          <a:ext cx="0" cy="0"/>
-          <a:chOff x="0" y="0"/>
-          <a:chExt cx="0" cy="0"/>
-        </a:xfrm>
-      </p:grpSpPr>
-      <p:sp>
-        <p:nvSpPr>
-          <p:cNvPr id="2" name="Title 1"/>
-          <p:cNvSpPr>
-            <a:spLocks noGrp="1"/>
-          </p:cNvSpPr>
-          <p:nvPr>
-            <p:ph type="title"/>
-          </p:nvPr>
-        </p:nvSpPr>
-        <p:spPr/>
-        <p:txBody>
-          <a:bodyPr/>
-          <a:lstStyle/>
-          <a:p>
-            <a:r>
-              <a:rPr lang="en-US" dirty="0" smtClean="0"/>
-              <a:t>configuring </a:t>
-            </a:r>
-            <a:r>
-              <a:rPr lang="en-US" dirty="0" err="1" smtClean="0"/>
-              <a:t>PhpLdapAdmin</a:t>
-            </a:r>
-            <a:r>
-              <a:rPr lang="en-US" dirty="0" smtClean="0"/>
-              <a:t> continue</a:t>
-            </a:r>
-            <a:endParaRPr lang="en-US" dirty="0"/>
-          </a:p>
-        </p:txBody>
-      </p:sp>
-      <p:sp>
-        <p:nvSpPr>
-          <p:cNvPr id="3" name="Content Placeholder 2"/>
-          <p:cNvSpPr>
-            <a:spLocks noGrp="1"/>
-          </p:cNvSpPr>
-          <p:nvPr>
-            <p:ph idx="1"/>
-          </p:nvPr>
-        </p:nvSpPr>
-        <p:spPr/>
-        <p:txBody>
-          <a:bodyPr/>
-          <a:lstStyle/>
-          <a:p>
-            <a:r>
-              <a:rPr lang="en-US" dirty="0" smtClean="0"/>
-              <a:t>If successfully </a:t>
-            </a:r>
-            <a:r>
-              <a:rPr lang="en-US" dirty="0" err="1" smtClean="0"/>
-              <a:t>loged</a:t>
-            </a:r>
-            <a:r>
-              <a:rPr lang="en-US" dirty="0" smtClean="0"/>
-              <a:t> in, you should see an interface as below</a:t>
-            </a:r>
-          </a:p>
-          <a:p>
-            <a:endParaRPr lang="en-US" dirty="0"/>
-          </a:p>
-        </p:txBody>
-      </p:sp>
-      <p:pic>
-        <p:nvPicPr>
-          <p:cNvPr id="4" name="Picture 3"/>
-          <p:cNvPicPr>
-            <a:picLocks noChangeAspect="1"/>
-          </p:cNvPicPr>
-          <p:nvPr/>
-        </p:nvPicPr>
-        <p:blipFill>
-          <a:blip r:embed="rId2"/>
-          <a:stretch>
-            <a:fillRect/>
-          </a:stretch>
-        </p:blipFill>
-        <p:spPr>
-          <a:xfrm>
-            <a:off x="838200" y="2709357"/>
-            <a:ext cx="10217727" cy="3878479"/>
-          </a:xfrm>
-          <a:prstGeom prst="rect">
-            <a:avLst/>
-          </a:prstGeom>
-        </p:spPr>
-      </p:pic>
-    </p:spTree>
-    <p:extLst>
-      <p:ext uri="{BB962C8B-B14F-4D97-AF65-F5344CB8AC3E}">
-        <p14:creationId xmlns:p14="http://schemas.microsoft.com/office/powerpoint/2010/main" val="2835696218"/>
-      </p:ext>
-    </p:extLst>
-  </p:cSld>
-  <p:clrMapOvr>
-    <a:masterClrMapping/>
-  </p:clrMapOvr>
-</p:sld>
-</file>
-
-<file path=ppt/slides/slide18.xml><?xml version="1.0" encoding="utf-8"?>
-<p:sld xmlns:a="http://schemas.openxmlformats.org/drawingml/2006/main" xmlns:r="http://schemas.openxmlformats.org/officeDocument/2006/relationships" xmlns:p="http://schemas.openxmlformats.org/presentationml/2006/main">
-  <p:cSld>
-    <p:spTree>
-      <p:nvGrpSpPr>
-        <p:cNvPr id="1" name=""/>
-        <p:cNvGrpSpPr/>
-        <p:nvPr/>
-      </p:nvGrpSpPr>
-      <p:grpSpPr>
-        <a:xfrm>
-          <a:off x="0" y="0"/>
-          <a:ext cx="0" cy="0"/>
-          <a:chOff x="0" y="0"/>
-          <a:chExt cx="0" cy="0"/>
-        </a:xfrm>
-      </p:grpSpPr>
-      <p:sp>
-        <p:nvSpPr>
-          <p:cNvPr id="2" name="Title 1"/>
-          <p:cNvSpPr>
-            <a:spLocks noGrp="1"/>
-          </p:cNvSpPr>
-          <p:nvPr>
-            <p:ph type="title"/>
-          </p:nvPr>
-        </p:nvSpPr>
-        <p:spPr/>
-        <p:txBody>
-          <a:bodyPr/>
-          <a:lstStyle/>
-          <a:p>
-            <a:r>
-              <a:rPr lang="en-US" dirty="0" smtClean="0"/>
-              <a:t>configuring </a:t>
-            </a:r>
-            <a:r>
-              <a:rPr lang="en-US" dirty="0" err="1" smtClean="0"/>
-              <a:t>PhpLdapAdmin</a:t>
-            </a:r>
-            <a:r>
-              <a:rPr lang="en-US" dirty="0" smtClean="0"/>
-              <a:t> continue</a:t>
-            </a:r>
-            <a:endParaRPr lang="en-US" dirty="0"/>
-          </a:p>
-        </p:txBody>
-      </p:sp>
-      <p:sp>
-        <p:nvSpPr>
-          <p:cNvPr id="3" name="Content Placeholder 2"/>
-          <p:cNvSpPr>
-            <a:spLocks noGrp="1"/>
-          </p:cNvSpPr>
-          <p:nvPr>
-            <p:ph idx="1"/>
-          </p:nvPr>
-        </p:nvSpPr>
-        <p:spPr/>
-        <p:txBody>
-          <a:bodyPr/>
-          <a:lstStyle/>
-          <a:p>
-            <a:r>
-              <a:rPr lang="en-US" b="1" dirty="0"/>
-              <a:t>Create Organizational </a:t>
-            </a:r>
-            <a:r>
-              <a:rPr lang="en-US" b="1" dirty="0" smtClean="0"/>
-              <a:t>Units , Groups, Users</a:t>
-            </a:r>
-          </a:p>
-          <a:p>
-            <a:r>
-              <a:rPr lang="en-US" b="1" dirty="0" smtClean="0"/>
-              <a:t>Click on the “Create new entry here” link on the left-hand side</a:t>
-            </a:r>
-          </a:p>
-          <a:p>
-            <a:r>
-              <a:rPr lang="en-US" b="1" dirty="0" smtClean="0"/>
-              <a:t>Click on the “Generic: Organizational Unit” template as below</a:t>
-            </a:r>
-          </a:p>
-          <a:p>
-            <a:r>
-              <a:rPr lang="en-US" b="1" dirty="0" smtClean="0"/>
-              <a:t>We will be asked to create a name for our organizational unit. </a:t>
-            </a:r>
-          </a:p>
-          <a:p>
-            <a:r>
-              <a:rPr lang="en-US" b="1" dirty="0" smtClean="0"/>
-              <a:t>Type Groups and repeat the same procedure to create users group as well.</a:t>
-            </a:r>
-          </a:p>
-          <a:p>
-            <a:r>
-              <a:rPr lang="en-US" b="1" dirty="0" smtClean="0"/>
-              <a:t>Slides on the next slide demonstrate the process </a:t>
-            </a:r>
-          </a:p>
-          <a:p>
-            <a:pPr marL="0" indent="0">
-              <a:buNone/>
-            </a:pPr>
-            <a:endParaRPr lang="en-US" b="1" dirty="0" smtClean="0"/>
-          </a:p>
-          <a:p>
-            <a:endParaRPr lang="en-US" b="1" dirty="0"/>
-          </a:p>
-          <a:p>
-            <a:endParaRPr lang="en-US" dirty="0"/>
-          </a:p>
-        </p:txBody>
-      </p:sp>
-    </p:spTree>
-    <p:extLst>
-      <p:ext uri="{BB962C8B-B14F-4D97-AF65-F5344CB8AC3E}">
-        <p14:creationId xmlns:p14="http://schemas.microsoft.com/office/powerpoint/2010/main" val="2277448318"/>
-      </p:ext>
-    </p:extLst>
-  </p:cSld>
-  <p:clrMapOvr>
-    <a:masterClrMapping/>
-  </p:clrMapOvr>
-</p:sld>
-</file>
-
-<file path=ppt/slides/slide19.xml><?xml version="1.0" encoding="utf-8"?>
-<p:sld xmlns:a="http://schemas.openxmlformats.org/drawingml/2006/main" xmlns:r="http://schemas.openxmlformats.org/officeDocument/2006/relationships" xmlns:p="http://schemas.openxmlformats.org/presentationml/2006/main">
-  <p:cSld>
-    <p:spTree>
-      <p:nvGrpSpPr>
-        <p:cNvPr id="1" name=""/>
-        <p:cNvGrpSpPr/>
-        <p:nvPr/>
-      </p:nvGrpSpPr>
-      <p:grpSpPr>
-        <a:xfrm>
-          <a:off x="0" y="0"/>
-          <a:ext cx="0" cy="0"/>
-          <a:chOff x="0" y="0"/>
-          <a:chExt cx="0" cy="0"/>
-        </a:xfrm>
-      </p:grpSpPr>
-      <p:sp>
-        <p:nvSpPr>
-          <p:cNvPr id="2" name="Title 1"/>
-          <p:cNvSpPr>
-            <a:spLocks noGrp="1"/>
-          </p:cNvSpPr>
-          <p:nvPr>
-            <p:ph type="title"/>
-          </p:nvPr>
-        </p:nvSpPr>
-        <p:spPr/>
-        <p:txBody>
-          <a:bodyPr/>
-          <a:lstStyle/>
-          <a:p>
-            <a:r>
-              <a:rPr lang="en-US" dirty="0" smtClean="0"/>
-              <a:t>configuring </a:t>
-            </a:r>
-            <a:r>
-              <a:rPr lang="en-US" dirty="0" err="1" smtClean="0"/>
-              <a:t>PhpLdapAdmin</a:t>
-            </a:r>
-            <a:r>
-              <a:rPr lang="en-US" dirty="0" smtClean="0"/>
-              <a:t> continue</a:t>
-            </a:r>
-            <a:endParaRPr lang="en-US" dirty="0"/>
-          </a:p>
-        </p:txBody>
-      </p:sp>
-      <p:pic>
-        <p:nvPicPr>
-          <p:cNvPr id="6" name="Content Placeholder 5"/>
-          <p:cNvPicPr>
-            <a:picLocks noGrp="1" noChangeAspect="1"/>
-          </p:cNvPicPr>
-          <p:nvPr>
-            <p:ph idx="1"/>
-          </p:nvPr>
-        </p:nvPicPr>
-        <p:blipFill>
-          <a:blip r:embed="rId2"/>
-          <a:stretch>
-            <a:fillRect/>
-          </a:stretch>
-        </p:blipFill>
-        <p:spPr>
-          <a:xfrm>
-            <a:off x="838200" y="1721786"/>
-            <a:ext cx="10515599" cy="5077131"/>
-          </a:xfrm>
-          <a:prstGeom prst="rect">
-            <a:avLst/>
-          </a:prstGeom>
-        </p:spPr>
-      </p:pic>
-    </p:spTree>
-    <p:extLst>
-      <p:ext uri="{BB962C8B-B14F-4D97-AF65-F5344CB8AC3E}">
-        <p14:creationId xmlns:p14="http://schemas.microsoft.com/office/powerpoint/2010/main" val="173070908"/>
+        <p14:creationId xmlns:p14="http://schemas.microsoft.com/office/powerpoint/2010/main" val="3660179001"/>
       </p:ext>
     </p:extLst>
   </p:cSld>
@@ -4471,1094 +4846,6 @@
 </p:sld>
 </file>
 
-<file path=ppt/slides/slide20.xml><?xml version="1.0" encoding="utf-8"?>
-<p:sld xmlns:a="http://schemas.openxmlformats.org/drawingml/2006/main" xmlns:r="http://schemas.openxmlformats.org/officeDocument/2006/relationships" xmlns:p="http://schemas.openxmlformats.org/presentationml/2006/main">
-  <p:cSld>
-    <p:spTree>
-      <p:nvGrpSpPr>
-        <p:cNvPr id="1" name=""/>
-        <p:cNvGrpSpPr/>
-        <p:nvPr/>
-      </p:nvGrpSpPr>
-      <p:grpSpPr>
-        <a:xfrm>
-          <a:off x="0" y="0"/>
-          <a:ext cx="0" cy="0"/>
-          <a:chOff x="0" y="0"/>
-          <a:chExt cx="0" cy="0"/>
-        </a:xfrm>
-      </p:grpSpPr>
-      <p:sp>
-        <p:nvSpPr>
-          <p:cNvPr id="2" name="Title 1"/>
-          <p:cNvSpPr>
-            <a:spLocks noGrp="1"/>
-          </p:cNvSpPr>
-          <p:nvPr>
-            <p:ph type="title"/>
-          </p:nvPr>
-        </p:nvSpPr>
-        <p:spPr/>
-        <p:txBody>
-          <a:bodyPr/>
-          <a:lstStyle/>
-          <a:p>
-            <a:r>
-              <a:rPr lang="en-US" dirty="0" smtClean="0"/>
-              <a:t>configuring </a:t>
-            </a:r>
-            <a:r>
-              <a:rPr lang="en-US" dirty="0" err="1" smtClean="0"/>
-              <a:t>PhpLdapAdmin</a:t>
-            </a:r>
-            <a:r>
-              <a:rPr lang="en-US" dirty="0" smtClean="0"/>
-              <a:t> continue</a:t>
-            </a:r>
-            <a:endParaRPr lang="en-US" dirty="0"/>
-          </a:p>
-        </p:txBody>
-      </p:sp>
-      <p:pic>
-        <p:nvPicPr>
-          <p:cNvPr id="6" name="Content Placeholder 5"/>
-          <p:cNvPicPr>
-            <a:picLocks noGrp="1" noChangeAspect="1"/>
-          </p:cNvPicPr>
-          <p:nvPr>
-            <p:ph idx="1"/>
-          </p:nvPr>
-        </p:nvPicPr>
-        <p:blipFill>
-          <a:blip r:embed="rId2"/>
-          <a:stretch>
-            <a:fillRect/>
-          </a:stretch>
-        </p:blipFill>
-        <p:spPr>
-          <a:xfrm>
-            <a:off x="838200" y="1690688"/>
-            <a:ext cx="10863258" cy="4710112"/>
-          </a:xfrm>
-          <a:prstGeom prst="rect">
-            <a:avLst/>
-          </a:prstGeom>
-        </p:spPr>
-      </p:pic>
-    </p:spTree>
-    <p:extLst>
-      <p:ext uri="{BB962C8B-B14F-4D97-AF65-F5344CB8AC3E}">
-        <p14:creationId xmlns:p14="http://schemas.microsoft.com/office/powerpoint/2010/main" val="690710443"/>
-      </p:ext>
-    </p:extLst>
-  </p:cSld>
-  <p:clrMapOvr>
-    <a:masterClrMapping/>
-  </p:clrMapOvr>
-</p:sld>
-</file>
-
-<file path=ppt/slides/slide21.xml><?xml version="1.0" encoding="utf-8"?>
-<p:sld xmlns:a="http://schemas.openxmlformats.org/drawingml/2006/main" xmlns:r="http://schemas.openxmlformats.org/officeDocument/2006/relationships" xmlns:p="http://schemas.openxmlformats.org/presentationml/2006/main">
-  <p:cSld>
-    <p:spTree>
-      <p:nvGrpSpPr>
-        <p:cNvPr id="1" name=""/>
-        <p:cNvGrpSpPr/>
-        <p:nvPr/>
-      </p:nvGrpSpPr>
-      <p:grpSpPr>
-        <a:xfrm>
-          <a:off x="0" y="0"/>
-          <a:ext cx="0" cy="0"/>
-          <a:chOff x="0" y="0"/>
-          <a:chExt cx="0" cy="0"/>
-        </a:xfrm>
-      </p:grpSpPr>
-      <p:sp>
-        <p:nvSpPr>
-          <p:cNvPr id="2" name="Title 1"/>
-          <p:cNvSpPr>
-            <a:spLocks noGrp="1"/>
-          </p:cNvSpPr>
-          <p:nvPr>
-            <p:ph type="title"/>
-          </p:nvPr>
-        </p:nvSpPr>
-        <p:spPr/>
-        <p:txBody>
-          <a:bodyPr/>
-          <a:lstStyle/>
-          <a:p>
-            <a:r>
-              <a:rPr lang="en-US" dirty="0" smtClean="0"/>
-              <a:t>configuring </a:t>
-            </a:r>
-            <a:r>
-              <a:rPr lang="en-US" dirty="0" err="1" smtClean="0"/>
-              <a:t>PhpLdapAdmin</a:t>
-            </a:r>
-            <a:r>
-              <a:rPr lang="en-US" dirty="0" smtClean="0"/>
-              <a:t> continue</a:t>
-            </a:r>
-            <a:endParaRPr lang="en-US" dirty="0"/>
-          </a:p>
-        </p:txBody>
-      </p:sp>
-      <p:sp>
-        <p:nvSpPr>
-          <p:cNvPr id="5" name="Content Placeholder 4"/>
-          <p:cNvSpPr>
-            <a:spLocks noGrp="1"/>
-          </p:cNvSpPr>
-          <p:nvPr>
-            <p:ph idx="1"/>
-          </p:nvPr>
-        </p:nvSpPr>
-        <p:spPr/>
-        <p:txBody>
-          <a:bodyPr/>
-          <a:lstStyle/>
-          <a:p>
-            <a:r>
-              <a:rPr lang="en-US" dirty="0" smtClean="0"/>
-              <a:t>Click on Commit to save changes</a:t>
-            </a:r>
-          </a:p>
-          <a:p>
-            <a:endParaRPr lang="en-US" dirty="0"/>
-          </a:p>
-        </p:txBody>
-      </p:sp>
-      <p:pic>
-        <p:nvPicPr>
-          <p:cNvPr id="6" name="Picture 5"/>
-          <p:cNvPicPr>
-            <a:picLocks noChangeAspect="1"/>
-          </p:cNvPicPr>
-          <p:nvPr/>
-        </p:nvPicPr>
-        <p:blipFill>
-          <a:blip r:embed="rId2"/>
-          <a:stretch>
-            <a:fillRect/>
-          </a:stretch>
-        </p:blipFill>
-        <p:spPr>
-          <a:xfrm>
-            <a:off x="1051503" y="2287586"/>
-            <a:ext cx="8653605" cy="4383378"/>
-          </a:xfrm>
-          <a:prstGeom prst="rect">
-            <a:avLst/>
-          </a:prstGeom>
-        </p:spPr>
-      </p:pic>
-    </p:spTree>
-    <p:extLst>
-      <p:ext uri="{BB962C8B-B14F-4D97-AF65-F5344CB8AC3E}">
-        <p14:creationId xmlns:p14="http://schemas.microsoft.com/office/powerpoint/2010/main" val="197999627"/>
-      </p:ext>
-    </p:extLst>
-  </p:cSld>
-  <p:clrMapOvr>
-    <a:masterClrMapping/>
-  </p:clrMapOvr>
-</p:sld>
-</file>
-
-<file path=ppt/slides/slide22.xml><?xml version="1.0" encoding="utf-8"?>
-<p:sld xmlns:a="http://schemas.openxmlformats.org/drawingml/2006/main" xmlns:r="http://schemas.openxmlformats.org/officeDocument/2006/relationships" xmlns:p="http://schemas.openxmlformats.org/presentationml/2006/main">
-  <p:cSld>
-    <p:spTree>
-      <p:nvGrpSpPr>
-        <p:cNvPr id="1" name=""/>
-        <p:cNvGrpSpPr/>
-        <p:nvPr/>
-      </p:nvGrpSpPr>
-      <p:grpSpPr>
-        <a:xfrm>
-          <a:off x="0" y="0"/>
-          <a:ext cx="0" cy="0"/>
-          <a:chOff x="0" y="0"/>
-          <a:chExt cx="0" cy="0"/>
-        </a:xfrm>
-      </p:grpSpPr>
-      <p:sp>
-        <p:nvSpPr>
-          <p:cNvPr id="2" name="Title 1"/>
-          <p:cNvSpPr>
-            <a:spLocks noGrp="1"/>
-          </p:cNvSpPr>
-          <p:nvPr>
-            <p:ph type="title"/>
-          </p:nvPr>
-        </p:nvSpPr>
-        <p:spPr/>
-        <p:txBody>
-          <a:bodyPr/>
-          <a:lstStyle/>
-          <a:p>
-            <a:r>
-              <a:rPr lang="en-US" dirty="0" smtClean="0"/>
-              <a:t>configuring </a:t>
-            </a:r>
-            <a:r>
-              <a:rPr lang="en-US" dirty="0" err="1" smtClean="0"/>
-              <a:t>PhpLdapAdmin</a:t>
-            </a:r>
-            <a:r>
-              <a:rPr lang="en-US" dirty="0" smtClean="0"/>
-              <a:t> continue</a:t>
-            </a:r>
-            <a:endParaRPr lang="en-US" dirty="0"/>
-          </a:p>
-        </p:txBody>
-      </p:sp>
-      <p:sp>
-        <p:nvSpPr>
-          <p:cNvPr id="3" name="Content Placeholder 2"/>
-          <p:cNvSpPr>
-            <a:spLocks noGrp="1"/>
-          </p:cNvSpPr>
-          <p:nvPr>
-            <p:ph idx="1"/>
-          </p:nvPr>
-        </p:nvSpPr>
-        <p:spPr/>
-        <p:txBody>
-          <a:bodyPr/>
-          <a:lstStyle/>
-          <a:p>
-            <a:r>
-              <a:rPr lang="en-US" dirty="0" smtClean="0"/>
-              <a:t>When you are done, you should see the configuration as shown on your left hand side.</a:t>
-            </a:r>
-          </a:p>
-          <a:p>
-            <a:endParaRPr lang="en-US" dirty="0"/>
-          </a:p>
-        </p:txBody>
-      </p:sp>
-      <p:pic>
-        <p:nvPicPr>
-          <p:cNvPr id="4" name="Picture 3"/>
-          <p:cNvPicPr>
-            <a:picLocks noChangeAspect="1"/>
-          </p:cNvPicPr>
-          <p:nvPr/>
-        </p:nvPicPr>
-        <p:blipFill>
-          <a:blip r:embed="rId2"/>
-          <a:stretch>
-            <a:fillRect/>
-          </a:stretch>
-        </p:blipFill>
-        <p:spPr>
-          <a:xfrm>
-            <a:off x="1496290" y="2763982"/>
-            <a:ext cx="8416637" cy="3886200"/>
-          </a:xfrm>
-          <a:prstGeom prst="rect">
-            <a:avLst/>
-          </a:prstGeom>
-        </p:spPr>
-      </p:pic>
-    </p:spTree>
-    <p:extLst>
-      <p:ext uri="{BB962C8B-B14F-4D97-AF65-F5344CB8AC3E}">
-        <p14:creationId xmlns:p14="http://schemas.microsoft.com/office/powerpoint/2010/main" val="1076068848"/>
-      </p:ext>
-    </p:extLst>
-  </p:cSld>
-  <p:clrMapOvr>
-    <a:masterClrMapping/>
-  </p:clrMapOvr>
-</p:sld>
-</file>
-
-<file path=ppt/slides/slide23.xml><?xml version="1.0" encoding="utf-8"?>
-<p:sld xmlns:a="http://schemas.openxmlformats.org/drawingml/2006/main" xmlns:r="http://schemas.openxmlformats.org/officeDocument/2006/relationships" xmlns:p="http://schemas.openxmlformats.org/presentationml/2006/main">
-  <p:cSld>
-    <p:spTree>
-      <p:nvGrpSpPr>
-        <p:cNvPr id="1" name=""/>
-        <p:cNvGrpSpPr/>
-        <p:nvPr/>
-      </p:nvGrpSpPr>
-      <p:grpSpPr>
-        <a:xfrm>
-          <a:off x="0" y="0"/>
-          <a:ext cx="0" cy="0"/>
-          <a:chOff x="0" y="0"/>
-          <a:chExt cx="0" cy="0"/>
-        </a:xfrm>
-      </p:grpSpPr>
-      <p:sp>
-        <p:nvSpPr>
-          <p:cNvPr id="2" name="Title 1"/>
-          <p:cNvSpPr>
-            <a:spLocks noGrp="1"/>
-          </p:cNvSpPr>
-          <p:nvPr>
-            <p:ph type="title"/>
-          </p:nvPr>
-        </p:nvSpPr>
-        <p:spPr/>
-        <p:txBody>
-          <a:bodyPr/>
-          <a:lstStyle/>
-          <a:p>
-            <a:r>
-              <a:rPr lang="en-US" dirty="0" smtClean="0"/>
-              <a:t>configuring </a:t>
-            </a:r>
-            <a:r>
-              <a:rPr lang="en-US" dirty="0" err="1" smtClean="0"/>
-              <a:t>PhpLdapAdmin</a:t>
-            </a:r>
-            <a:r>
-              <a:rPr lang="en-US" dirty="0" smtClean="0"/>
-              <a:t> continue</a:t>
-            </a:r>
-            <a:endParaRPr lang="en-US" dirty="0"/>
-          </a:p>
-        </p:txBody>
-      </p:sp>
-      <p:sp>
-        <p:nvSpPr>
-          <p:cNvPr id="3" name="Content Placeholder 2"/>
-          <p:cNvSpPr>
-            <a:spLocks noGrp="1"/>
-          </p:cNvSpPr>
-          <p:nvPr>
-            <p:ph idx="1"/>
-          </p:nvPr>
-        </p:nvSpPr>
-        <p:spPr/>
-        <p:txBody>
-          <a:bodyPr/>
-          <a:lstStyle/>
-          <a:p>
-            <a:r>
-              <a:rPr lang="en-US" dirty="0" smtClean="0"/>
-              <a:t>Create Groups</a:t>
-            </a:r>
-          </a:p>
-          <a:p>
-            <a:r>
-              <a:rPr lang="en-US" dirty="0" smtClean="0"/>
-              <a:t>We can create two different groups that could be used to organize users into different “access” groups based on their privileges they require.</a:t>
-            </a:r>
-          </a:p>
-          <a:p>
-            <a:r>
-              <a:rPr lang="en-US" dirty="0" smtClean="0"/>
-              <a:t>Those groups are “admin” and “user” groups.</a:t>
-            </a:r>
-          </a:p>
-          <a:p>
-            <a:r>
-              <a:rPr lang="en-US" dirty="0" smtClean="0"/>
-              <a:t>In the main pane, click on the “Create a child entry” within the groups category.</a:t>
-            </a:r>
-          </a:p>
-          <a:p>
-            <a:r>
-              <a:rPr lang="en-US" dirty="0" smtClean="0"/>
-              <a:t>We will choose the “Generic: </a:t>
-            </a:r>
-            <a:r>
-              <a:rPr lang="en-US" dirty="0" err="1" smtClean="0"/>
-              <a:t>Posix</a:t>
-            </a:r>
-            <a:r>
-              <a:rPr lang="en-US" dirty="0" smtClean="0"/>
-              <a:t> Group” Category</a:t>
-            </a:r>
-          </a:p>
-          <a:p>
-            <a:r>
-              <a:rPr lang="en-US" dirty="0" smtClean="0"/>
-              <a:t>The next slide shows the guidelines for creating those groups.</a:t>
-            </a:r>
-            <a:endParaRPr lang="en-US" dirty="0"/>
-          </a:p>
-        </p:txBody>
-      </p:sp>
-    </p:spTree>
-    <p:extLst>
-      <p:ext uri="{BB962C8B-B14F-4D97-AF65-F5344CB8AC3E}">
-        <p14:creationId xmlns:p14="http://schemas.microsoft.com/office/powerpoint/2010/main" val="1855531563"/>
-      </p:ext>
-    </p:extLst>
-  </p:cSld>
-  <p:clrMapOvr>
-    <a:masterClrMapping/>
-  </p:clrMapOvr>
-</p:sld>
-</file>
-
-<file path=ppt/slides/slide24.xml><?xml version="1.0" encoding="utf-8"?>
-<p:sld xmlns:a="http://schemas.openxmlformats.org/drawingml/2006/main" xmlns:r="http://schemas.openxmlformats.org/officeDocument/2006/relationships" xmlns:p="http://schemas.openxmlformats.org/presentationml/2006/main">
-  <p:cSld>
-    <p:spTree>
-      <p:nvGrpSpPr>
-        <p:cNvPr id="1" name=""/>
-        <p:cNvGrpSpPr/>
-        <p:nvPr/>
-      </p:nvGrpSpPr>
-      <p:grpSpPr>
-        <a:xfrm>
-          <a:off x="0" y="0"/>
-          <a:ext cx="0" cy="0"/>
-          <a:chOff x="0" y="0"/>
-          <a:chExt cx="0" cy="0"/>
-        </a:xfrm>
-      </p:grpSpPr>
-      <p:sp>
-        <p:nvSpPr>
-          <p:cNvPr id="2" name="Title 1"/>
-          <p:cNvSpPr>
-            <a:spLocks noGrp="1"/>
-          </p:cNvSpPr>
-          <p:nvPr>
-            <p:ph type="title"/>
-          </p:nvPr>
-        </p:nvSpPr>
-        <p:spPr/>
-        <p:txBody>
-          <a:bodyPr/>
-          <a:lstStyle/>
-          <a:p>
-            <a:r>
-              <a:rPr lang="en-US" dirty="0" smtClean="0"/>
-              <a:t>configuring </a:t>
-            </a:r>
-            <a:r>
-              <a:rPr lang="en-US" dirty="0" err="1" smtClean="0"/>
-              <a:t>PhpLdapAdmin</a:t>
-            </a:r>
-            <a:r>
-              <a:rPr lang="en-US" dirty="0" smtClean="0"/>
-              <a:t> continue</a:t>
-            </a:r>
-            <a:endParaRPr lang="en-US" dirty="0"/>
-          </a:p>
-        </p:txBody>
-      </p:sp>
-      <p:sp>
-        <p:nvSpPr>
-          <p:cNvPr id="3" name="Content Placeholder 2"/>
-          <p:cNvSpPr>
-            <a:spLocks noGrp="1"/>
-          </p:cNvSpPr>
-          <p:nvPr>
-            <p:ph idx="1"/>
-          </p:nvPr>
-        </p:nvSpPr>
-        <p:spPr/>
-        <p:txBody>
-          <a:bodyPr/>
-          <a:lstStyle/>
-          <a:p>
-            <a:r>
-              <a:rPr lang="en-US" dirty="0" smtClean="0"/>
-              <a:t>Click on the “Generic: </a:t>
-            </a:r>
-            <a:r>
-              <a:rPr lang="en-US" dirty="0" err="1" smtClean="0"/>
-              <a:t>Posix</a:t>
-            </a:r>
-            <a:r>
-              <a:rPr lang="en-US" dirty="0" smtClean="0"/>
-              <a:t> Group” highlighted in yellow </a:t>
-            </a:r>
-            <a:r>
-              <a:rPr lang="en-US" dirty="0" err="1" smtClean="0"/>
-              <a:t>colour</a:t>
-            </a:r>
-            <a:endParaRPr lang="en-US" dirty="0" smtClean="0"/>
-          </a:p>
-          <a:p>
-            <a:endParaRPr lang="en-US" dirty="0"/>
-          </a:p>
-        </p:txBody>
-      </p:sp>
-      <p:pic>
-        <p:nvPicPr>
-          <p:cNvPr id="4" name="Picture 3"/>
-          <p:cNvPicPr>
-            <a:picLocks noChangeAspect="1"/>
-          </p:cNvPicPr>
-          <p:nvPr/>
-        </p:nvPicPr>
-        <p:blipFill>
-          <a:blip r:embed="rId2"/>
-          <a:stretch>
-            <a:fillRect/>
-          </a:stretch>
-        </p:blipFill>
-        <p:spPr>
-          <a:xfrm>
-            <a:off x="838200" y="2348345"/>
-            <a:ext cx="9857943" cy="4447309"/>
-          </a:xfrm>
-          <a:prstGeom prst="rect">
-            <a:avLst/>
-          </a:prstGeom>
-        </p:spPr>
-      </p:pic>
-    </p:spTree>
-    <p:extLst>
-      <p:ext uri="{BB962C8B-B14F-4D97-AF65-F5344CB8AC3E}">
-        <p14:creationId xmlns:p14="http://schemas.microsoft.com/office/powerpoint/2010/main" val="1936391414"/>
-      </p:ext>
-    </p:extLst>
-  </p:cSld>
-  <p:clrMapOvr>
-    <a:masterClrMapping/>
-  </p:clrMapOvr>
-</p:sld>
-</file>
-
-<file path=ppt/slides/slide25.xml><?xml version="1.0" encoding="utf-8"?>
-<p:sld xmlns:a="http://schemas.openxmlformats.org/drawingml/2006/main" xmlns:r="http://schemas.openxmlformats.org/officeDocument/2006/relationships" xmlns:p="http://schemas.openxmlformats.org/presentationml/2006/main">
-  <p:cSld>
-    <p:spTree>
-      <p:nvGrpSpPr>
-        <p:cNvPr id="1" name=""/>
-        <p:cNvGrpSpPr/>
-        <p:nvPr/>
-      </p:nvGrpSpPr>
-      <p:grpSpPr>
-        <a:xfrm>
-          <a:off x="0" y="0"/>
-          <a:ext cx="0" cy="0"/>
-          <a:chOff x="0" y="0"/>
-          <a:chExt cx="0" cy="0"/>
-        </a:xfrm>
-      </p:grpSpPr>
-      <p:sp>
-        <p:nvSpPr>
-          <p:cNvPr id="2" name="Title 1"/>
-          <p:cNvSpPr>
-            <a:spLocks noGrp="1"/>
-          </p:cNvSpPr>
-          <p:nvPr>
-            <p:ph type="title"/>
-          </p:nvPr>
-        </p:nvSpPr>
-        <p:spPr/>
-        <p:txBody>
-          <a:bodyPr/>
-          <a:lstStyle/>
-          <a:p>
-            <a:r>
-              <a:rPr lang="en-US" dirty="0" smtClean="0"/>
-              <a:t>configuring </a:t>
-            </a:r>
-            <a:r>
-              <a:rPr lang="en-US" dirty="0" err="1" smtClean="0"/>
-              <a:t>PhpLdapAdmin</a:t>
-            </a:r>
-            <a:r>
-              <a:rPr lang="en-US" dirty="0" smtClean="0"/>
-              <a:t> continue</a:t>
-            </a:r>
-            <a:endParaRPr lang="en-US" dirty="0"/>
-          </a:p>
-        </p:txBody>
-      </p:sp>
-      <p:pic>
-        <p:nvPicPr>
-          <p:cNvPr id="4" name="Content Placeholder 3"/>
-          <p:cNvPicPr>
-            <a:picLocks noGrp="1" noChangeAspect="1"/>
-          </p:cNvPicPr>
-          <p:nvPr>
-            <p:ph idx="1"/>
-          </p:nvPr>
-        </p:nvPicPr>
-        <p:blipFill>
-          <a:blip r:embed="rId2"/>
-          <a:stretch>
-            <a:fillRect/>
-          </a:stretch>
-        </p:blipFill>
-        <p:spPr>
-          <a:xfrm>
-            <a:off x="838200" y="1836162"/>
-            <a:ext cx="9739745" cy="4872952"/>
-          </a:xfrm>
-          <a:prstGeom prst="rect">
-            <a:avLst/>
-          </a:prstGeom>
-        </p:spPr>
-      </p:pic>
-    </p:spTree>
-    <p:extLst>
-      <p:ext uri="{BB962C8B-B14F-4D97-AF65-F5344CB8AC3E}">
-        <p14:creationId xmlns:p14="http://schemas.microsoft.com/office/powerpoint/2010/main" val="2131720384"/>
-      </p:ext>
-    </p:extLst>
-  </p:cSld>
-  <p:clrMapOvr>
-    <a:masterClrMapping/>
-  </p:clrMapOvr>
-</p:sld>
-</file>
-
-<file path=ppt/slides/slide26.xml><?xml version="1.0" encoding="utf-8"?>
-<p:sld xmlns:a="http://schemas.openxmlformats.org/drawingml/2006/main" xmlns:r="http://schemas.openxmlformats.org/officeDocument/2006/relationships" xmlns:p="http://schemas.openxmlformats.org/presentationml/2006/main">
-  <p:cSld>
-    <p:spTree>
-      <p:nvGrpSpPr>
-        <p:cNvPr id="1" name=""/>
-        <p:cNvGrpSpPr/>
-        <p:nvPr/>
-      </p:nvGrpSpPr>
-      <p:grpSpPr>
-        <a:xfrm>
-          <a:off x="0" y="0"/>
-          <a:ext cx="0" cy="0"/>
-          <a:chOff x="0" y="0"/>
-          <a:chExt cx="0" cy="0"/>
-        </a:xfrm>
-      </p:grpSpPr>
-      <p:sp>
-        <p:nvSpPr>
-          <p:cNvPr id="2" name="Title 1"/>
-          <p:cNvSpPr>
-            <a:spLocks noGrp="1"/>
-          </p:cNvSpPr>
-          <p:nvPr>
-            <p:ph type="title"/>
-          </p:nvPr>
-        </p:nvSpPr>
-        <p:spPr/>
-        <p:txBody>
-          <a:bodyPr/>
-          <a:lstStyle/>
-          <a:p>
-            <a:r>
-              <a:rPr lang="en-US" dirty="0" smtClean="0"/>
-              <a:t>configuring </a:t>
-            </a:r>
-            <a:r>
-              <a:rPr lang="en-US" dirty="0" err="1" smtClean="0"/>
-              <a:t>PhpLdapAdmin</a:t>
-            </a:r>
-            <a:r>
-              <a:rPr lang="en-US" dirty="0" smtClean="0"/>
-              <a:t> continue</a:t>
-            </a:r>
-            <a:endParaRPr lang="en-US" dirty="0"/>
-          </a:p>
-        </p:txBody>
-      </p:sp>
-      <p:sp>
-        <p:nvSpPr>
-          <p:cNvPr id="3" name="Content Placeholder 2"/>
-          <p:cNvSpPr>
-            <a:spLocks noGrp="1"/>
-          </p:cNvSpPr>
-          <p:nvPr>
-            <p:ph idx="1"/>
-          </p:nvPr>
-        </p:nvSpPr>
-        <p:spPr/>
-        <p:txBody>
-          <a:bodyPr/>
-          <a:lstStyle/>
-          <a:p>
-            <a:r>
-              <a:rPr lang="en-US" dirty="0" smtClean="0"/>
-              <a:t>Both groups after creation will look as below in the left hand side</a:t>
-            </a:r>
-          </a:p>
-          <a:p>
-            <a:endParaRPr lang="en-US" dirty="0"/>
-          </a:p>
-        </p:txBody>
-      </p:sp>
-      <p:pic>
-        <p:nvPicPr>
-          <p:cNvPr id="5" name="Picture 4"/>
-          <p:cNvPicPr>
-            <a:picLocks noChangeAspect="1"/>
-          </p:cNvPicPr>
-          <p:nvPr/>
-        </p:nvPicPr>
-        <p:blipFill>
-          <a:blip r:embed="rId2"/>
-          <a:stretch>
-            <a:fillRect/>
-          </a:stretch>
-        </p:blipFill>
-        <p:spPr>
-          <a:xfrm>
-            <a:off x="838200" y="2220706"/>
-            <a:ext cx="7523018" cy="4637294"/>
-          </a:xfrm>
-          <a:prstGeom prst="rect">
-            <a:avLst/>
-          </a:prstGeom>
-        </p:spPr>
-      </p:pic>
-    </p:spTree>
-    <p:extLst>
-      <p:ext uri="{BB962C8B-B14F-4D97-AF65-F5344CB8AC3E}">
-        <p14:creationId xmlns:p14="http://schemas.microsoft.com/office/powerpoint/2010/main" val="687361918"/>
-      </p:ext>
-    </p:extLst>
-  </p:cSld>
-  <p:clrMapOvr>
-    <a:masterClrMapping/>
-  </p:clrMapOvr>
-</p:sld>
-</file>
-
-<file path=ppt/slides/slide27.xml><?xml version="1.0" encoding="utf-8"?>
-<p:sld xmlns:a="http://schemas.openxmlformats.org/drawingml/2006/main" xmlns:r="http://schemas.openxmlformats.org/officeDocument/2006/relationships" xmlns:p="http://schemas.openxmlformats.org/presentationml/2006/main">
-  <p:cSld>
-    <p:spTree>
-      <p:nvGrpSpPr>
-        <p:cNvPr id="1" name=""/>
-        <p:cNvGrpSpPr/>
-        <p:nvPr/>
-      </p:nvGrpSpPr>
-      <p:grpSpPr>
-        <a:xfrm>
-          <a:off x="0" y="0"/>
-          <a:ext cx="0" cy="0"/>
-          <a:chOff x="0" y="0"/>
-          <a:chExt cx="0" cy="0"/>
-        </a:xfrm>
-      </p:grpSpPr>
-      <p:sp>
-        <p:nvSpPr>
-          <p:cNvPr id="2" name="Title 1"/>
-          <p:cNvSpPr>
-            <a:spLocks noGrp="1"/>
-          </p:cNvSpPr>
-          <p:nvPr>
-            <p:ph type="title"/>
-          </p:nvPr>
-        </p:nvSpPr>
-        <p:spPr/>
-        <p:txBody>
-          <a:bodyPr/>
-          <a:lstStyle/>
-          <a:p>
-            <a:r>
-              <a:rPr lang="en-US" dirty="0" smtClean="0"/>
-              <a:t>configuring </a:t>
-            </a:r>
-            <a:r>
-              <a:rPr lang="en-US" dirty="0" err="1" smtClean="0"/>
-              <a:t>PhpLdapAdmin</a:t>
-            </a:r>
-            <a:r>
-              <a:rPr lang="en-US" dirty="0" smtClean="0"/>
-              <a:t> continue</a:t>
-            </a:r>
-            <a:endParaRPr lang="en-US" dirty="0"/>
-          </a:p>
-        </p:txBody>
-      </p:sp>
-      <p:sp>
-        <p:nvSpPr>
-          <p:cNvPr id="3" name="Content Placeholder 2"/>
-          <p:cNvSpPr>
-            <a:spLocks noGrp="1"/>
-          </p:cNvSpPr>
-          <p:nvPr>
-            <p:ph idx="1"/>
-          </p:nvPr>
-        </p:nvSpPr>
-        <p:spPr/>
-        <p:txBody>
-          <a:bodyPr/>
-          <a:lstStyle/>
-          <a:p>
-            <a:r>
-              <a:rPr lang="en-US" dirty="0" smtClean="0"/>
-              <a:t>Click on the “view 2 children” as highlighted in yellow</a:t>
-            </a:r>
-          </a:p>
-          <a:p>
-            <a:endParaRPr lang="en-US" dirty="0"/>
-          </a:p>
-        </p:txBody>
-      </p:sp>
-      <p:pic>
-        <p:nvPicPr>
-          <p:cNvPr id="4" name="Picture 3"/>
-          <p:cNvPicPr>
-            <a:picLocks noChangeAspect="1"/>
-          </p:cNvPicPr>
-          <p:nvPr/>
-        </p:nvPicPr>
-        <p:blipFill>
-          <a:blip r:embed="rId2"/>
-          <a:stretch>
-            <a:fillRect/>
-          </a:stretch>
-        </p:blipFill>
-        <p:spPr>
-          <a:xfrm>
-            <a:off x="838200" y="2304184"/>
-            <a:ext cx="10799618" cy="4340225"/>
-          </a:xfrm>
-          <a:prstGeom prst="rect">
-            <a:avLst/>
-          </a:prstGeom>
-        </p:spPr>
-      </p:pic>
-    </p:spTree>
-    <p:extLst>
-      <p:ext uri="{BB962C8B-B14F-4D97-AF65-F5344CB8AC3E}">
-        <p14:creationId xmlns:p14="http://schemas.microsoft.com/office/powerpoint/2010/main" val="1844610286"/>
-      </p:ext>
-    </p:extLst>
-  </p:cSld>
-  <p:clrMapOvr>
-    <a:masterClrMapping/>
-  </p:clrMapOvr>
-</p:sld>
-</file>
-
-<file path=ppt/slides/slide28.xml><?xml version="1.0" encoding="utf-8"?>
-<p:sld xmlns:a="http://schemas.openxmlformats.org/drawingml/2006/main" xmlns:r="http://schemas.openxmlformats.org/officeDocument/2006/relationships" xmlns:p="http://schemas.openxmlformats.org/presentationml/2006/main">
-  <p:cSld>
-    <p:spTree>
-      <p:nvGrpSpPr>
-        <p:cNvPr id="1" name=""/>
-        <p:cNvGrpSpPr/>
-        <p:nvPr/>
-      </p:nvGrpSpPr>
-      <p:grpSpPr>
-        <a:xfrm>
-          <a:off x="0" y="0"/>
-          <a:ext cx="0" cy="0"/>
-          <a:chOff x="0" y="0"/>
-          <a:chExt cx="0" cy="0"/>
-        </a:xfrm>
-      </p:grpSpPr>
-      <p:sp>
-        <p:nvSpPr>
-          <p:cNvPr id="2" name="Title 1"/>
-          <p:cNvSpPr>
-            <a:spLocks noGrp="1"/>
-          </p:cNvSpPr>
-          <p:nvPr>
-            <p:ph type="title"/>
-          </p:nvPr>
-        </p:nvSpPr>
-        <p:spPr/>
-        <p:txBody>
-          <a:bodyPr/>
-          <a:lstStyle/>
-          <a:p>
-            <a:r>
-              <a:rPr lang="en-US" dirty="0" smtClean="0"/>
-              <a:t>configuring </a:t>
-            </a:r>
-            <a:r>
-              <a:rPr lang="en-US" dirty="0" err="1" smtClean="0"/>
-              <a:t>PhpLdapAdmin</a:t>
-            </a:r>
-            <a:r>
-              <a:rPr lang="en-US" dirty="0" smtClean="0"/>
-              <a:t> continue</a:t>
-            </a:r>
-            <a:endParaRPr lang="en-US" dirty="0"/>
-          </a:p>
-        </p:txBody>
-      </p:sp>
-      <p:sp>
-        <p:nvSpPr>
-          <p:cNvPr id="3" name="Content Placeholder 2"/>
-          <p:cNvSpPr>
-            <a:spLocks noGrp="1"/>
-          </p:cNvSpPr>
-          <p:nvPr>
-            <p:ph idx="1"/>
-          </p:nvPr>
-        </p:nvSpPr>
-        <p:spPr/>
-        <p:txBody>
-          <a:bodyPr/>
-          <a:lstStyle/>
-          <a:p>
-            <a:r>
-              <a:rPr lang="en-US" dirty="0" smtClean="0"/>
-              <a:t>The output of the view 2 </a:t>
-            </a:r>
-            <a:r>
-              <a:rPr lang="en-US" dirty="0" err="1" smtClean="0"/>
-              <a:t>childres</a:t>
-            </a:r>
-            <a:r>
-              <a:rPr lang="en-US" dirty="0" smtClean="0"/>
-              <a:t> is as shown below</a:t>
-            </a:r>
-          </a:p>
-          <a:p>
-            <a:r>
-              <a:rPr lang="en-US" dirty="0" smtClean="0"/>
-              <a:t> </a:t>
-            </a:r>
-            <a:endParaRPr lang="en-US" dirty="0"/>
-          </a:p>
-        </p:txBody>
-      </p:sp>
-      <p:pic>
-        <p:nvPicPr>
-          <p:cNvPr id="4" name="Picture 3"/>
-          <p:cNvPicPr>
-            <a:picLocks noChangeAspect="1"/>
-          </p:cNvPicPr>
-          <p:nvPr/>
-        </p:nvPicPr>
-        <p:blipFill>
-          <a:blip r:embed="rId2"/>
-          <a:stretch>
-            <a:fillRect/>
-          </a:stretch>
-        </p:blipFill>
-        <p:spPr>
-          <a:xfrm>
-            <a:off x="838200" y="2181224"/>
-            <a:ext cx="7994073" cy="4676776"/>
-          </a:xfrm>
-          <a:prstGeom prst="rect">
-            <a:avLst/>
-          </a:prstGeom>
-        </p:spPr>
-      </p:pic>
-    </p:spTree>
-    <p:extLst>
-      <p:ext uri="{BB962C8B-B14F-4D97-AF65-F5344CB8AC3E}">
-        <p14:creationId xmlns:p14="http://schemas.microsoft.com/office/powerpoint/2010/main" val="4237624828"/>
-      </p:ext>
-    </p:extLst>
-  </p:cSld>
-  <p:clrMapOvr>
-    <a:masterClrMapping/>
-  </p:clrMapOvr>
-</p:sld>
-</file>
-
-<file path=ppt/slides/slide29.xml><?xml version="1.0" encoding="utf-8"?>
-<p:sld xmlns:a="http://schemas.openxmlformats.org/drawingml/2006/main" xmlns:r="http://schemas.openxmlformats.org/officeDocument/2006/relationships" xmlns:p="http://schemas.openxmlformats.org/presentationml/2006/main">
-  <p:cSld>
-    <p:spTree>
-      <p:nvGrpSpPr>
-        <p:cNvPr id="1" name=""/>
-        <p:cNvGrpSpPr/>
-        <p:nvPr/>
-      </p:nvGrpSpPr>
-      <p:grpSpPr>
-        <a:xfrm>
-          <a:off x="0" y="0"/>
-          <a:ext cx="0" cy="0"/>
-          <a:chOff x="0" y="0"/>
-          <a:chExt cx="0" cy="0"/>
-        </a:xfrm>
-      </p:grpSpPr>
-      <p:sp>
-        <p:nvSpPr>
-          <p:cNvPr id="2" name="Title 1"/>
-          <p:cNvSpPr>
-            <a:spLocks noGrp="1"/>
-          </p:cNvSpPr>
-          <p:nvPr>
-            <p:ph type="title"/>
-          </p:nvPr>
-        </p:nvSpPr>
-        <p:spPr/>
-        <p:txBody>
-          <a:bodyPr/>
-          <a:lstStyle/>
-          <a:p>
-            <a:endParaRPr lang="en-US"/>
-          </a:p>
-        </p:txBody>
-      </p:sp>
-      <p:sp>
-        <p:nvSpPr>
-          <p:cNvPr id="3" name="Content Placeholder 2"/>
-          <p:cNvSpPr>
-            <a:spLocks noGrp="1"/>
-          </p:cNvSpPr>
-          <p:nvPr>
-            <p:ph idx="1"/>
-          </p:nvPr>
-        </p:nvSpPr>
-        <p:spPr/>
-        <p:txBody>
-          <a:bodyPr/>
-          <a:lstStyle/>
-          <a:p>
-            <a:r>
-              <a:rPr lang="en-US" dirty="0" smtClean="0"/>
-              <a:t>Create Users</a:t>
-            </a:r>
-          </a:p>
-          <a:p>
-            <a:r>
-              <a:rPr lang="en-US" dirty="0" smtClean="0"/>
-              <a:t>Next, we will create users to put in these groups. Start by clicking on “</a:t>
-            </a:r>
-            <a:r>
-              <a:rPr lang="en-US" dirty="0" err="1" smtClean="0"/>
-              <a:t>ou</a:t>
-            </a:r>
-            <a:r>
-              <a:rPr lang="en-US" dirty="0" smtClean="0"/>
-              <a:t>=users” category. Click on Create a child entry.</a:t>
-            </a:r>
-          </a:p>
-          <a:p>
-            <a:r>
-              <a:rPr lang="en-US" dirty="0" smtClean="0"/>
-              <a:t>We will choose “Generic: User Account” for these entries</a:t>
-            </a:r>
-          </a:p>
-          <a:p>
-            <a:r>
-              <a:rPr lang="en-US" dirty="0" smtClean="0"/>
-              <a:t>We will be given a lot of fields to fill out:</a:t>
-            </a:r>
-          </a:p>
-          <a:p>
-            <a:endParaRPr lang="en-US" dirty="0"/>
-          </a:p>
-          <a:p>
-            <a:r>
-              <a:rPr lang="en-US" dirty="0" smtClean="0"/>
-              <a:t>The picture below shows the template to be filled</a:t>
-            </a:r>
-            <a:endParaRPr lang="en-US" dirty="0"/>
-          </a:p>
-        </p:txBody>
-      </p:sp>
-    </p:spTree>
-    <p:extLst>
-      <p:ext uri="{BB962C8B-B14F-4D97-AF65-F5344CB8AC3E}">
-        <p14:creationId xmlns:p14="http://schemas.microsoft.com/office/powerpoint/2010/main" val="2680848793"/>
-      </p:ext>
-    </p:extLst>
-  </p:cSld>
-  <p:clrMapOvr>
-    <a:masterClrMapping/>
-  </p:clrMapOvr>
-</p:sld>
-</file>
-
 <file path=ppt/slides/slide3.xml><?xml version="1.0" encoding="utf-8"?>
 <p:sld xmlns:a="http://schemas.openxmlformats.org/drawingml/2006/main" xmlns:r="http://schemas.openxmlformats.org/officeDocument/2006/relationships" xmlns:p="http://schemas.openxmlformats.org/presentationml/2006/main">
   <p:cSld>
@@ -5607,15 +4894,32 @@
           </a:p>
         </p:txBody>
       </p:sp>
+      <p:sp>
+        <p:nvSpPr>
+          <p:cNvPr id="6" name="Content Placeholder 5"/>
+          <p:cNvSpPr>
+            <a:spLocks noGrp="1"/>
+          </p:cNvSpPr>
+          <p:nvPr>
+            <p:ph idx="1"/>
+          </p:nvPr>
+        </p:nvSpPr>
+        <p:spPr/>
+        <p:txBody>
+          <a:bodyPr/>
+          <a:lstStyle/>
+          <a:p>
+            <a:endParaRPr lang="en-US" dirty="0"/>
+          </a:p>
+        </p:txBody>
+      </p:sp>
       <p:pic>
         <p:nvPicPr>
-          <p:cNvPr id="4" name="Content Placeholder 3"/>
+          <p:cNvPr id="7" name="Picture 6"/>
           <p:cNvPicPr>
-            <a:picLocks noGrp="1" noChangeAspect="1"/>
+            <a:picLocks noChangeAspect="1"/>
           </p:cNvPicPr>
-          <p:nvPr>
-            <p:ph idx="1"/>
-          </p:nvPr>
+          <p:nvPr/>
         </p:nvPicPr>
         <p:blipFill>
           <a:blip r:embed="rId2"/>
@@ -5625,8 +4929,8 @@
         </p:blipFill>
         <p:spPr>
           <a:xfrm>
-            <a:off x="838200" y="1690688"/>
-            <a:ext cx="8305800" cy="4885765"/>
+            <a:off x="838200" y="1585912"/>
+            <a:ext cx="8320087" cy="5007580"/>
           </a:xfrm>
           <a:prstGeom prst="rect">
             <a:avLst/>
@@ -5636,307 +4940,7 @@
     </p:spTree>
     <p:extLst>
       <p:ext uri="{BB962C8B-B14F-4D97-AF65-F5344CB8AC3E}">
-        <p14:creationId xmlns:p14="http://schemas.microsoft.com/office/powerpoint/2010/main" val="397786500"/>
-      </p:ext>
-    </p:extLst>
-  </p:cSld>
-  <p:clrMapOvr>
-    <a:masterClrMapping/>
-  </p:clrMapOvr>
-</p:sld>
-</file>
-
-<file path=ppt/slides/slide30.xml><?xml version="1.0" encoding="utf-8"?>
-<p:sld xmlns:a="http://schemas.openxmlformats.org/drawingml/2006/main" xmlns:r="http://schemas.openxmlformats.org/officeDocument/2006/relationships" xmlns:p="http://schemas.openxmlformats.org/presentationml/2006/main">
-  <p:cSld>
-    <p:spTree>
-      <p:nvGrpSpPr>
-        <p:cNvPr id="1" name=""/>
-        <p:cNvGrpSpPr/>
-        <p:nvPr/>
-      </p:nvGrpSpPr>
-      <p:grpSpPr>
-        <a:xfrm>
-          <a:off x="0" y="0"/>
-          <a:ext cx="0" cy="0"/>
-          <a:chOff x="0" y="0"/>
-          <a:chExt cx="0" cy="0"/>
-        </a:xfrm>
-      </p:grpSpPr>
-      <p:sp>
-        <p:nvSpPr>
-          <p:cNvPr id="2" name="Title 1"/>
-          <p:cNvSpPr>
-            <a:spLocks noGrp="1"/>
-          </p:cNvSpPr>
-          <p:nvPr>
-            <p:ph type="title"/>
-          </p:nvPr>
-        </p:nvSpPr>
-        <p:spPr/>
-        <p:txBody>
-          <a:bodyPr/>
-          <a:lstStyle/>
-          <a:p>
-            <a:endParaRPr lang="en-US"/>
-          </a:p>
-        </p:txBody>
-      </p:sp>
-      <p:pic>
-        <p:nvPicPr>
-          <p:cNvPr id="4" name="Content Placeholder 3"/>
-          <p:cNvPicPr>
-            <a:picLocks noGrp="1" noChangeAspect="1"/>
-          </p:cNvPicPr>
-          <p:nvPr>
-            <p:ph idx="1"/>
-          </p:nvPr>
-        </p:nvPicPr>
-        <p:blipFill>
-          <a:blip r:embed="rId2"/>
-          <a:stretch>
-            <a:fillRect/>
-          </a:stretch>
-        </p:blipFill>
-        <p:spPr>
-          <a:xfrm>
-            <a:off x="1122218" y="1953491"/>
-            <a:ext cx="9463195" cy="4904509"/>
-          </a:xfrm>
-          <a:prstGeom prst="rect">
-            <a:avLst/>
-          </a:prstGeom>
-        </p:spPr>
-      </p:pic>
-    </p:spTree>
-    <p:extLst>
-      <p:ext uri="{BB962C8B-B14F-4D97-AF65-F5344CB8AC3E}">
-        <p14:creationId xmlns:p14="http://schemas.microsoft.com/office/powerpoint/2010/main" val="2889055438"/>
-      </p:ext>
-    </p:extLst>
-  </p:cSld>
-  <p:clrMapOvr>
-    <a:masterClrMapping/>
-  </p:clrMapOvr>
-</p:sld>
-</file>
-
-<file path=ppt/slides/slide31.xml><?xml version="1.0" encoding="utf-8"?>
-<p:sld xmlns:a="http://schemas.openxmlformats.org/drawingml/2006/main" xmlns:r="http://schemas.openxmlformats.org/officeDocument/2006/relationships" xmlns:p="http://schemas.openxmlformats.org/presentationml/2006/main">
-  <p:cSld>
-    <p:spTree>
-      <p:nvGrpSpPr>
-        <p:cNvPr id="1" name=""/>
-        <p:cNvGrpSpPr/>
-        <p:nvPr/>
-      </p:nvGrpSpPr>
-      <p:grpSpPr>
-        <a:xfrm>
-          <a:off x="0" y="0"/>
-          <a:ext cx="0" cy="0"/>
-          <a:chOff x="0" y="0"/>
-          <a:chExt cx="0" cy="0"/>
-        </a:xfrm>
-      </p:grpSpPr>
-      <p:sp>
-        <p:nvSpPr>
-          <p:cNvPr id="2" name="Title 1"/>
-          <p:cNvSpPr>
-            <a:spLocks noGrp="1"/>
-          </p:cNvSpPr>
-          <p:nvPr>
-            <p:ph type="title"/>
-          </p:nvPr>
-        </p:nvSpPr>
-        <p:spPr/>
-        <p:txBody>
-          <a:bodyPr/>
-          <a:lstStyle/>
-          <a:p>
-            <a:endParaRPr lang="en-US"/>
-          </a:p>
-        </p:txBody>
-      </p:sp>
-      <p:pic>
-        <p:nvPicPr>
-          <p:cNvPr id="4" name="Content Placeholder 3"/>
-          <p:cNvPicPr>
-            <a:picLocks noGrp="1" noChangeAspect="1"/>
-          </p:cNvPicPr>
-          <p:nvPr>
-            <p:ph idx="1"/>
-          </p:nvPr>
-        </p:nvPicPr>
-        <p:blipFill>
-          <a:blip r:embed="rId2"/>
-          <a:stretch>
-            <a:fillRect/>
-          </a:stretch>
-        </p:blipFill>
-        <p:spPr>
-          <a:xfrm>
-            <a:off x="838200" y="1690688"/>
-            <a:ext cx="7521380" cy="4905382"/>
-          </a:xfrm>
-          <a:prstGeom prst="rect">
-            <a:avLst/>
-          </a:prstGeom>
-        </p:spPr>
-      </p:pic>
-    </p:spTree>
-    <p:extLst>
-      <p:ext uri="{BB962C8B-B14F-4D97-AF65-F5344CB8AC3E}">
-        <p14:creationId xmlns:p14="http://schemas.microsoft.com/office/powerpoint/2010/main" val="779514584"/>
-      </p:ext>
-    </p:extLst>
-  </p:cSld>
-  <p:clrMapOvr>
-    <a:masterClrMapping/>
-  </p:clrMapOvr>
-</p:sld>
-</file>
-
-<file path=ppt/slides/slide32.xml><?xml version="1.0" encoding="utf-8"?>
-<p:sld xmlns:a="http://schemas.openxmlformats.org/drawingml/2006/main" xmlns:r="http://schemas.openxmlformats.org/officeDocument/2006/relationships" xmlns:p="http://schemas.openxmlformats.org/presentationml/2006/main">
-  <p:cSld>
-    <p:spTree>
-      <p:nvGrpSpPr>
-        <p:cNvPr id="1" name=""/>
-        <p:cNvGrpSpPr/>
-        <p:nvPr/>
-      </p:nvGrpSpPr>
-      <p:grpSpPr>
-        <a:xfrm>
-          <a:off x="0" y="0"/>
-          <a:ext cx="0" cy="0"/>
-          <a:chOff x="0" y="0"/>
-          <a:chExt cx="0" cy="0"/>
-        </a:xfrm>
-      </p:grpSpPr>
-      <p:sp>
-        <p:nvSpPr>
-          <p:cNvPr id="2" name="Title 1"/>
-          <p:cNvSpPr>
-            <a:spLocks noGrp="1"/>
-          </p:cNvSpPr>
-          <p:nvPr>
-            <p:ph type="title"/>
-          </p:nvPr>
-        </p:nvSpPr>
-        <p:spPr/>
-        <p:txBody>
-          <a:bodyPr/>
-          <a:lstStyle/>
-          <a:p>
-            <a:endParaRPr lang="en-US"/>
-          </a:p>
-        </p:txBody>
-      </p:sp>
-      <p:pic>
-        <p:nvPicPr>
-          <p:cNvPr id="4" name="Content Placeholder 3"/>
-          <p:cNvPicPr>
-            <a:picLocks noGrp="1" noChangeAspect="1"/>
-          </p:cNvPicPr>
-          <p:nvPr>
-            <p:ph idx="1"/>
-          </p:nvPr>
-        </p:nvPicPr>
-        <p:blipFill>
-          <a:blip r:embed="rId2"/>
-          <a:stretch>
-            <a:fillRect/>
-          </a:stretch>
-        </p:blipFill>
-        <p:spPr>
-          <a:xfrm>
-            <a:off x="838200" y="1815380"/>
-            <a:ext cx="7571510" cy="4705102"/>
-          </a:xfrm>
-          <a:prstGeom prst="rect">
-            <a:avLst/>
-          </a:prstGeom>
-        </p:spPr>
-      </p:pic>
-    </p:spTree>
-    <p:extLst>
-      <p:ext uri="{BB962C8B-B14F-4D97-AF65-F5344CB8AC3E}">
-        <p14:creationId xmlns:p14="http://schemas.microsoft.com/office/powerpoint/2010/main" val="2583469380"/>
-      </p:ext>
-    </p:extLst>
-  </p:cSld>
-  <p:clrMapOvr>
-    <a:masterClrMapping/>
-  </p:clrMapOvr>
-</p:sld>
-</file>
-
-<file path=ppt/slides/slide33.xml><?xml version="1.0" encoding="utf-8"?>
-<p:sld xmlns:a="http://schemas.openxmlformats.org/drawingml/2006/main" xmlns:r="http://schemas.openxmlformats.org/officeDocument/2006/relationships" xmlns:p="http://schemas.openxmlformats.org/presentationml/2006/main">
-  <p:cSld>
-    <p:spTree>
-      <p:nvGrpSpPr>
-        <p:cNvPr id="1" name=""/>
-        <p:cNvGrpSpPr/>
-        <p:nvPr/>
-      </p:nvGrpSpPr>
-      <p:grpSpPr>
-        <a:xfrm>
-          <a:off x="0" y="0"/>
-          <a:ext cx="0" cy="0"/>
-          <a:chOff x="0" y="0"/>
-          <a:chExt cx="0" cy="0"/>
-        </a:xfrm>
-      </p:grpSpPr>
-      <p:sp>
-        <p:nvSpPr>
-          <p:cNvPr id="2" name="Title 1"/>
-          <p:cNvSpPr>
-            <a:spLocks noGrp="1"/>
-          </p:cNvSpPr>
-          <p:nvPr>
-            <p:ph type="title"/>
-          </p:nvPr>
-        </p:nvSpPr>
-        <p:spPr/>
-        <p:txBody>
-          <a:bodyPr/>
-          <a:lstStyle/>
-          <a:p>
-            <a:endParaRPr lang="en-US"/>
-          </a:p>
-        </p:txBody>
-      </p:sp>
-      <p:pic>
-        <p:nvPicPr>
-          <p:cNvPr id="4" name="Content Placeholder 3"/>
-          <p:cNvPicPr>
-            <a:picLocks noGrp="1" noChangeAspect="1"/>
-          </p:cNvPicPr>
-          <p:nvPr>
-            <p:ph idx="1"/>
-          </p:nvPr>
-        </p:nvPicPr>
-        <p:blipFill>
-          <a:blip r:embed="rId2"/>
-          <a:stretch>
-            <a:fillRect/>
-          </a:stretch>
-        </p:blipFill>
-        <p:spPr>
-          <a:xfrm>
-            <a:off x="457201" y="1886744"/>
-            <a:ext cx="6691744" cy="4971256"/>
-          </a:xfrm>
-          <a:prstGeom prst="rect">
-            <a:avLst/>
-          </a:prstGeom>
-        </p:spPr>
-      </p:pic>
-    </p:spTree>
-    <p:extLst>
-      <p:ext uri="{BB962C8B-B14F-4D97-AF65-F5344CB8AC3E}">
-        <p14:creationId xmlns:p14="http://schemas.microsoft.com/office/powerpoint/2010/main" val="2378972731"/>
+        <p14:creationId xmlns:p14="http://schemas.microsoft.com/office/powerpoint/2010/main" val="3861943889"/>
       </p:ext>
     </p:extLst>
   </p:cSld>
@@ -5994,15 +4998,32 @@
           </a:p>
         </p:txBody>
       </p:sp>
+      <p:sp>
+        <p:nvSpPr>
+          <p:cNvPr id="3" name="Content Placeholder 2"/>
+          <p:cNvSpPr>
+            <a:spLocks noGrp="1"/>
+          </p:cNvSpPr>
+          <p:nvPr>
+            <p:ph idx="1"/>
+          </p:nvPr>
+        </p:nvSpPr>
+        <p:spPr/>
+        <p:txBody>
+          <a:bodyPr/>
+          <a:lstStyle/>
+          <a:p>
+            <a:endParaRPr lang="en-US" dirty="0"/>
+          </a:p>
+        </p:txBody>
+      </p:sp>
       <p:pic>
         <p:nvPicPr>
-          <p:cNvPr id="4" name="Content Placeholder 3"/>
+          <p:cNvPr id="5" name="Picture 4"/>
           <p:cNvPicPr>
-            <a:picLocks noGrp="1" noChangeAspect="1"/>
+            <a:picLocks noChangeAspect="1"/>
           </p:cNvPicPr>
-          <p:nvPr>
-            <p:ph idx="1"/>
-          </p:nvPr>
+          <p:nvPr/>
         </p:nvPicPr>
         <p:blipFill>
           <a:blip r:embed="rId2"/>
@@ -6012,8 +5033,8 @@
         </p:blipFill>
         <p:spPr>
           <a:xfrm>
-            <a:off x="838200" y="1792834"/>
-            <a:ext cx="8396287" cy="4943489"/>
+            <a:off x="618186" y="1600199"/>
+            <a:ext cx="8535339" cy="5105249"/>
           </a:xfrm>
           <a:prstGeom prst="rect">
             <a:avLst/>
@@ -6023,7 +5044,7 @@
     </p:spTree>
     <p:extLst>
       <p:ext uri="{BB962C8B-B14F-4D97-AF65-F5344CB8AC3E}">
-        <p14:creationId xmlns:p14="http://schemas.microsoft.com/office/powerpoint/2010/main" val="3861943889"/>
+        <p14:creationId xmlns:p14="http://schemas.microsoft.com/office/powerpoint/2010/main" val="2895887535"/>
       </p:ext>
     </p:extLst>
   </p:cSld>
@@ -6081,15 +5102,32 @@
           </a:p>
         </p:txBody>
       </p:sp>
+      <p:sp>
+        <p:nvSpPr>
+          <p:cNvPr id="3" name="Content Placeholder 2"/>
+          <p:cNvSpPr>
+            <a:spLocks noGrp="1"/>
+          </p:cNvSpPr>
+          <p:nvPr>
+            <p:ph idx="1"/>
+          </p:nvPr>
+        </p:nvSpPr>
+        <p:spPr/>
+        <p:txBody>
+          <a:bodyPr/>
+          <a:lstStyle/>
+          <a:p>
+            <a:endParaRPr lang="en-US" dirty="0"/>
+          </a:p>
+        </p:txBody>
+      </p:sp>
       <p:pic>
         <p:nvPicPr>
-          <p:cNvPr id="4" name="Content Placeholder 3"/>
+          <p:cNvPr id="4" name="Picture 3"/>
           <p:cNvPicPr>
-            <a:picLocks noGrp="1" noChangeAspect="1"/>
+            <a:picLocks noChangeAspect="1"/>
           </p:cNvPicPr>
-          <p:nvPr>
-            <p:ph idx="1"/>
-          </p:nvPr>
+          <p:nvPr/>
         </p:nvPicPr>
         <p:blipFill>
           <a:blip r:embed="rId2"/>
@@ -6099,8 +5137,8 @@
         </p:blipFill>
         <p:spPr>
           <a:xfrm>
-            <a:off x="838200" y="1690688"/>
-            <a:ext cx="8260456" cy="4993447"/>
+            <a:off x="838201" y="1590675"/>
+            <a:ext cx="8310562" cy="5004488"/>
           </a:xfrm>
           <a:prstGeom prst="rect">
             <a:avLst/>
@@ -6110,7 +5148,7 @@
     </p:spTree>
     <p:extLst>
       <p:ext uri="{BB962C8B-B14F-4D97-AF65-F5344CB8AC3E}">
-        <p14:creationId xmlns:p14="http://schemas.microsoft.com/office/powerpoint/2010/main" val="2895887535"/>
+        <p14:creationId xmlns:p14="http://schemas.microsoft.com/office/powerpoint/2010/main" val="4272776116"/>
       </p:ext>
     </p:extLst>
   </p:cSld>
@@ -6168,15 +5206,32 @@
           </a:p>
         </p:txBody>
       </p:sp>
+      <p:sp>
+        <p:nvSpPr>
+          <p:cNvPr id="3" name="Content Placeholder 2"/>
+          <p:cNvSpPr>
+            <a:spLocks noGrp="1"/>
+          </p:cNvSpPr>
+          <p:nvPr>
+            <p:ph idx="1"/>
+          </p:nvPr>
+        </p:nvSpPr>
+        <p:spPr/>
+        <p:txBody>
+          <a:bodyPr/>
+          <a:lstStyle/>
+          <a:p>
+            <a:endParaRPr lang="en-US"/>
+          </a:p>
+        </p:txBody>
+      </p:sp>
       <p:pic>
         <p:nvPicPr>
-          <p:cNvPr id="4" name="Content Placeholder 3"/>
+          <p:cNvPr id="5" name="Picture 4"/>
           <p:cNvPicPr>
-            <a:picLocks noGrp="1" noChangeAspect="1"/>
+            <a:picLocks noChangeAspect="1"/>
           </p:cNvPicPr>
-          <p:nvPr>
-            <p:ph idx="1"/>
-          </p:nvPr>
+          <p:nvPr/>
         </p:nvPicPr>
         <p:blipFill>
           <a:blip r:embed="rId2"/>
@@ -6186,8 +5241,8 @@
         </p:blipFill>
         <p:spPr>
           <a:xfrm>
-            <a:off x="838200" y="1906073"/>
-            <a:ext cx="8281450" cy="4590178"/>
+            <a:off x="528034" y="1600199"/>
+            <a:ext cx="8644541" cy="5138551"/>
           </a:xfrm>
           <a:prstGeom prst="rect">
             <a:avLst/>
